--- a/ISTE Project PPT Group 6.pptx
+++ b/ISTE Project PPT Group 6.pptx
@@ -822,7 +822,7 @@
       </p:grpSpPr>
       <p:sp>
         <p:nvSpPr>
-          <p:cNvPr id="280" name="Google Shape;280;g3868c456c3d_4_0:notes"/>
+          <p:cNvPr id="280" name="Google Shape;280;g3c8dccbd003_1_0:notes"/>
           <p:cNvSpPr/>
           <p:nvPr>
             <p:ph idx="2" type="sldImg"/>
@@ -857,7 +857,7 @@
       </p:sp>
       <p:sp>
         <p:nvSpPr>
-          <p:cNvPr id="281" name="Google Shape;281;g3868c456c3d_4_0:notes"/>
+          <p:cNvPr id="281" name="Google Shape;281;g3c8dccbd003_1_0:notes"/>
           <p:cNvSpPr txBox="1"/>
           <p:nvPr>
             <p:ph idx="1" type="body"/>
@@ -907,7 +907,7 @@
   <p:cSld>
     <p:spTree>
       <p:nvGrpSpPr>
-        <p:cNvPr id="285" name="Shape 285"/>
+        <p:cNvPr id="289" name="Shape 289"/>
         <p:cNvGrpSpPr/>
         <p:nvPr/>
       </p:nvGrpSpPr>
@@ -921,7 +921,7 @@
       </p:grpSpPr>
       <p:sp>
         <p:nvSpPr>
-          <p:cNvPr id="286" name="Google Shape;286;g3868c456c3d_4_5:notes"/>
+          <p:cNvPr id="290" name="Google Shape;290;g3868c456c3d_4_5:notes"/>
           <p:cNvSpPr/>
           <p:nvPr>
             <p:ph idx="2" type="sldImg"/>
@@ -956,7 +956,7 @@
       </p:sp>
       <p:sp>
         <p:nvSpPr>
-          <p:cNvPr id="287" name="Google Shape;287;g3868c456c3d_4_5:notes"/>
+          <p:cNvPr id="291" name="Google Shape;291;g3868c456c3d_4_5:notes"/>
           <p:cNvSpPr txBox="1"/>
           <p:nvPr>
             <p:ph idx="1" type="body"/>
@@ -1006,7 +1006,7 @@
   <p:cSld>
     <p:spTree>
       <p:nvGrpSpPr>
-        <p:cNvPr id="291" name="Shape 291"/>
+        <p:cNvPr id="295" name="Shape 295"/>
         <p:cNvGrpSpPr/>
         <p:nvPr/>
       </p:nvGrpSpPr>
@@ -1020,7 +1020,7 @@
       </p:grpSpPr>
       <p:sp>
         <p:nvSpPr>
-          <p:cNvPr id="292" name="Google Shape;292;g3868c456c3d_4_16:notes"/>
+          <p:cNvPr id="296" name="Google Shape;296;g3868c456c3d_4_16:notes"/>
           <p:cNvSpPr/>
           <p:nvPr>
             <p:ph idx="2" type="sldImg"/>
@@ -1055,7 +1055,7 @@
       </p:sp>
       <p:sp>
         <p:nvSpPr>
-          <p:cNvPr id="293" name="Google Shape;293;g3868c456c3d_4_16:notes"/>
+          <p:cNvPr id="297" name="Google Shape;297;g3868c456c3d_4_16:notes"/>
           <p:cNvSpPr txBox="1"/>
           <p:nvPr>
             <p:ph idx="1" type="body"/>
@@ -1105,7 +1105,7 @@
   <p:cSld>
     <p:spTree>
       <p:nvGrpSpPr>
-        <p:cNvPr id="297" name="Shape 297"/>
+        <p:cNvPr id="302" name="Shape 302"/>
         <p:cNvGrpSpPr/>
         <p:nvPr/>
       </p:nvGrpSpPr>
@@ -1119,7 +1119,7 @@
       </p:grpSpPr>
       <p:sp>
         <p:nvSpPr>
-          <p:cNvPr id="298" name="Google Shape;298;g3c44a97c0a3_0_0:notes"/>
+          <p:cNvPr id="303" name="Google Shape;303;g3c44a97c0a3_0_0:notes"/>
           <p:cNvSpPr/>
           <p:nvPr>
             <p:ph idx="2" type="sldImg"/>
@@ -1154,7 +1154,7 @@
       </p:sp>
       <p:sp>
         <p:nvSpPr>
-          <p:cNvPr id="299" name="Google Shape;299;g3c44a97c0a3_0_0:notes"/>
+          <p:cNvPr id="304" name="Google Shape;304;g3c44a97c0a3_0_0:notes"/>
           <p:cNvSpPr txBox="1"/>
           <p:nvPr>
             <p:ph idx="1" type="body"/>
@@ -15694,7 +15694,7 @@
         </p:nvSpPr>
         <p:spPr>
           <a:xfrm>
-            <a:off x="1303800" y="598575"/>
+            <a:off x="1341525" y="461500"/>
             <a:ext cx="7030500" cy="999300"/>
           </a:xfrm>
           <a:prstGeom prst="rect">
@@ -15735,8 +15735,92 @@
         </p:nvSpPr>
         <p:spPr>
           <a:xfrm>
-            <a:off x="311700" y="1201250"/>
-            <a:ext cx="8520600" cy="3416400"/>
+            <a:off x="512090" y="1475486"/>
+            <a:ext cx="4114500" cy="1698600"/>
+          </a:xfrm>
+          <a:prstGeom prst="rect">
+            <a:avLst/>
+          </a:prstGeom>
+        </p:spPr>
+        <p:txBody>
+          <a:bodyPr anchorCtr="0" anchor="t" bIns="91425" lIns="91425" spcFirstLastPara="1" rIns="91425" wrap="square" tIns="91425">
+            <a:normAutofit fontScale="92500"/>
+          </a:bodyPr>
+          <a:lstStyle/>
+          <a:p>
+            <a:pPr indent="-351948" lvl="0" marL="457200" rtl="0" algn="l">
+              <a:spcBef>
+                <a:spcPts val="0"/>
+              </a:spcBef>
+              <a:spcAft>
+                <a:spcPts val="0"/>
+              </a:spcAft>
+              <a:buSzPct val="100000"/>
+              <a:buChar char="●"/>
+            </a:pPr>
+            <a:r>
+              <a:rPr lang="en-GB" sz="2100"/>
+              <a:t>Web based platform focused on student mental well-being tips and resources.</a:t>
+            </a:r>
+            <a:endParaRPr sz="2100"/>
+          </a:p>
+          <a:p>
+            <a:pPr indent="0" lvl="0" marL="0" rtl="0" algn="l">
+              <a:spcBef>
+                <a:spcPts val="1200"/>
+              </a:spcBef>
+              <a:spcAft>
+                <a:spcPts val="1200"/>
+              </a:spcAft>
+              <a:buNone/>
+            </a:pPr>
+            <a:r>
+              <a:t/>
+            </a:r>
+            <a:endParaRPr sz="2100"/>
+          </a:p>
+        </p:txBody>
+      </p:sp>
+      <p:pic>
+        <p:nvPicPr>
+          <p:cNvPr id="285" name="Google Shape;285;p14"/>
+          <p:cNvPicPr preferRelativeResize="0"/>
+          <p:nvPr/>
+        </p:nvPicPr>
+        <p:blipFill>
+          <a:blip r:embed="rId3">
+            <a:alphaModFix/>
+          </a:blip>
+          <a:stretch>
+            <a:fillRect/>
+          </a:stretch>
+        </p:blipFill>
+        <p:spPr>
+          <a:xfrm>
+            <a:off x="5397750" y="756295"/>
+            <a:ext cx="2286824" cy="1815454"/>
+          </a:xfrm>
+          <a:prstGeom prst="rect">
+            <a:avLst/>
+          </a:prstGeom>
+          <a:noFill/>
+          <a:ln>
+            <a:noFill/>
+          </a:ln>
+        </p:spPr>
+      </p:pic>
+      <p:sp>
+        <p:nvSpPr>
+          <p:cNvPr id="286" name="Google Shape;286;p14"/>
+          <p:cNvSpPr txBox="1"/>
+          <p:nvPr>
+            <p:ph idx="1" type="body"/>
+          </p:nvPr>
+        </p:nvSpPr>
+        <p:spPr>
+          <a:xfrm>
+            <a:off x="42187" y="2636263"/>
+            <a:ext cx="4394400" cy="1698600"/>
           </a:xfrm>
           <a:prstGeom prst="rect">
             <a:avLst/>
@@ -15748,80 +15832,105 @@
           </a:bodyPr>
           <a:lstStyle/>
           <a:p>
-            <a:pPr indent="-361950" lvl="0" marL="457200" rtl="0" algn="l">
-              <a:spcBef>
-                <a:spcPts val="0"/>
-              </a:spcBef>
-              <a:spcAft>
-                <a:spcPts val="0"/>
-              </a:spcAft>
-              <a:buSzPts val="2100"/>
-              <a:buChar char="-"/>
+            <a:pPr indent="-349250" lvl="0" marL="914400" rtl="0" algn="l">
+              <a:spcBef>
+                <a:spcPts val="0"/>
+              </a:spcBef>
+              <a:spcAft>
+                <a:spcPts val="0"/>
+              </a:spcAft>
+              <a:buSzPts val="1900"/>
+              <a:buChar char="●"/>
             </a:pPr>
             <a:r>
-              <a:rPr lang="en-GB" sz="2100"/>
-              <a:t>Web based platform focused on student mental well-being tips and resources.</a:t>
+              <a:rPr lang="en-GB" sz="1900"/>
+              <a:t>Provides practical mental health tips and awareness content.</a:t>
             </a:r>
-            <a:endParaRPr sz="2100"/>
+            <a:endParaRPr sz="1900"/>
+          </a:p>
+        </p:txBody>
+      </p:sp>
+      <p:pic>
+        <p:nvPicPr>
+          <p:cNvPr id="287" name="Google Shape;287;p14"/>
+          <p:cNvPicPr preferRelativeResize="0"/>
+          <p:nvPr/>
+        </p:nvPicPr>
+        <p:blipFill>
+          <a:blip r:embed="rId4">
+            <a:alphaModFix/>
+          </a:blip>
+          <a:stretch>
+            <a:fillRect/>
+          </a:stretch>
+        </p:blipFill>
+        <p:spPr>
+          <a:xfrm>
+            <a:off x="5397750" y="2991750"/>
+            <a:ext cx="2286825" cy="1521775"/>
+          </a:xfrm>
+          <a:prstGeom prst="rect">
+            <a:avLst/>
+          </a:prstGeom>
+          <a:noFill/>
+          <a:ln>
+            <a:noFill/>
+          </a:ln>
+        </p:spPr>
+      </p:pic>
+      <p:sp>
+        <p:nvSpPr>
+          <p:cNvPr id="288" name="Google Shape;288;p14"/>
+          <p:cNvSpPr txBox="1"/>
+          <p:nvPr>
+            <p:ph idx="1" type="body"/>
+          </p:nvPr>
+        </p:nvSpPr>
+        <p:spPr>
+          <a:xfrm>
+            <a:off x="31650" y="3748400"/>
+            <a:ext cx="4331100" cy="1698600"/>
+          </a:xfrm>
+          <a:prstGeom prst="rect">
+            <a:avLst/>
+          </a:prstGeom>
+        </p:spPr>
+        <p:txBody>
+          <a:bodyPr anchorCtr="0" anchor="t" bIns="91425" lIns="91425" spcFirstLastPara="1" rIns="91425" wrap="square" tIns="91425">
+            <a:noAutofit/>
+          </a:bodyPr>
+          <a:lstStyle/>
+          <a:p>
+            <a:pPr indent="-349250" lvl="0" marL="914400" rtl="0" algn="l">
+              <a:spcBef>
+                <a:spcPts val="0"/>
+              </a:spcBef>
+              <a:spcAft>
+                <a:spcPts val="0"/>
+              </a:spcAft>
+              <a:buSzPts val="1900"/>
+              <a:buChar char="●"/>
+            </a:pPr>
+            <a:r>
+              <a:rPr lang="en-GB" sz="1900"/>
+              <a:t>Target users: College students or anyone suffering from mental health issues.</a:t>
+            </a:r>
+            <a:endParaRPr sz="1900"/>
           </a:p>
           <a:p>
-            <a:pPr indent="-361950" lvl="0" marL="457200" rtl="0" algn="l">
-              <a:spcBef>
-                <a:spcPts val="0"/>
-              </a:spcBef>
-              <a:spcAft>
-                <a:spcPts val="0"/>
-              </a:spcAft>
-              <a:buSzPts val="2100"/>
-              <a:buChar char="-"/>
+            <a:pPr indent="0" lvl="0" marL="0" rtl="0" algn="l">
+              <a:spcBef>
+                <a:spcPts val="1200"/>
+              </a:spcBef>
+              <a:spcAft>
+                <a:spcPts val="1200"/>
+              </a:spcAft>
+              <a:buNone/>
             </a:pPr>
             <a:r>
-              <a:rPr lang="en-GB" sz="2100"/>
-              <a:t>Provides practical mental health tips and awareness content.</a:t>
+              <a:t/>
             </a:r>
-            <a:endParaRPr sz="2100"/>
-          </a:p>
-          <a:p>
-            <a:pPr indent="-361950" lvl="0" marL="457200" rtl="0" algn="l">
-              <a:spcBef>
-                <a:spcPts val="0"/>
-              </a:spcBef>
-              <a:spcAft>
-                <a:spcPts val="0"/>
-              </a:spcAft>
-              <a:buSzPts val="2100"/>
-              <a:buChar char="-"/>
-            </a:pPr>
-            <a:r>
-              <a:rPr lang="en-GB" sz="2100"/>
-              <a:t>Offers access to trusted support </a:t>
-            </a:r>
-            <a:r>
-              <a:rPr lang="en-GB" sz="2100"/>
-              <a:t>resources</a:t>
-            </a:r>
-            <a:r>
-              <a:rPr lang="en-GB" sz="2100"/>
-              <a:t>.</a:t>
-            </a:r>
-            <a:endParaRPr sz="2100"/>
-          </a:p>
-          <a:p>
-            <a:pPr indent="-361950" lvl="0" marL="457200" rtl="0" algn="l">
-              <a:spcBef>
-                <a:spcPts val="0"/>
-              </a:spcBef>
-              <a:spcAft>
-                <a:spcPts val="0"/>
-              </a:spcAft>
-              <a:buSzPts val="2100"/>
-              <a:buChar char="-"/>
-            </a:pPr>
-            <a:r>
-              <a:rPr lang="en-GB" sz="2100"/>
-              <a:t>Target users: College students or anyone suffering from mental health issues.</a:t>
-            </a:r>
-            <a:endParaRPr sz="2100"/>
+            <a:endParaRPr sz="1900"/>
           </a:p>
         </p:txBody>
       </p:sp>
@@ -15838,7 +15947,7 @@
   <p:cSld>
     <p:spTree>
       <p:nvGrpSpPr>
-        <p:cNvPr id="288" name="Shape 288"/>
+        <p:cNvPr id="292" name="Shape 292"/>
         <p:cNvGrpSpPr/>
         <p:nvPr/>
       </p:nvGrpSpPr>
@@ -15852,7 +15961,7 @@
       </p:grpSpPr>
       <p:sp>
         <p:nvSpPr>
-          <p:cNvPr id="289" name="Google Shape;289;p15"/>
+          <p:cNvPr id="293" name="Google Shape;293;p15"/>
           <p:cNvSpPr txBox="1"/>
           <p:nvPr>
             <p:ph type="title"/>
@@ -15860,7 +15969,7 @@
         </p:nvSpPr>
         <p:spPr>
           <a:xfrm>
-            <a:off x="1303800" y="598575"/>
+            <a:off x="1303800" y="450925"/>
             <a:ext cx="7030500" cy="999300"/>
           </a:xfrm>
           <a:prstGeom prst="rect">
@@ -15893,7 +16002,7 @@
       </p:sp>
       <p:sp>
         <p:nvSpPr>
-          <p:cNvPr id="290" name="Google Shape;290;p15"/>
+          <p:cNvPr id="294" name="Google Shape;294;p15"/>
           <p:cNvSpPr txBox="1"/>
           <p:nvPr>
             <p:ph idx="1" type="body"/>
@@ -15901,7 +16010,7 @@
         </p:nvSpPr>
         <p:spPr>
           <a:xfrm>
-            <a:off x="311700" y="1247725"/>
+            <a:off x="311700" y="1416472"/>
             <a:ext cx="8520600" cy="3416400"/>
           </a:xfrm>
           <a:prstGeom prst="rect">
@@ -16037,7 +16146,7 @@
   <p:cSld>
     <p:spTree>
       <p:nvGrpSpPr>
-        <p:cNvPr id="294" name="Shape 294"/>
+        <p:cNvPr id="298" name="Shape 298"/>
         <p:cNvGrpSpPr/>
         <p:nvPr/>
       </p:nvGrpSpPr>
@@ -16051,7 +16160,7 @@
       </p:grpSpPr>
       <p:sp>
         <p:nvSpPr>
-          <p:cNvPr id="295" name="Google Shape;295;p16"/>
+          <p:cNvPr id="299" name="Google Shape;299;p16"/>
           <p:cNvSpPr txBox="1"/>
           <p:nvPr>
             <p:ph type="title"/>
@@ -16059,7 +16168,7 @@
         </p:nvSpPr>
         <p:spPr>
           <a:xfrm>
-            <a:off x="1303800" y="598575"/>
+            <a:off x="1303800" y="482568"/>
             <a:ext cx="7030500" cy="999300"/>
           </a:xfrm>
           <a:prstGeom prst="rect">
@@ -16092,7 +16201,7 @@
       </p:sp>
       <p:sp>
         <p:nvSpPr>
-          <p:cNvPr id="296" name="Google Shape;296;p16"/>
+          <p:cNvPr id="300" name="Google Shape;300;p16"/>
           <p:cNvSpPr txBox="1"/>
           <p:nvPr>
             <p:ph idx="1" type="body"/>
@@ -16100,8 +16209,8 @@
         </p:nvSpPr>
         <p:spPr>
           <a:xfrm>
-            <a:off x="1303800" y="1300950"/>
-            <a:ext cx="7030500" cy="2541600"/>
+            <a:off x="259675" y="1300950"/>
+            <a:ext cx="4312200" cy="2541600"/>
           </a:xfrm>
           <a:prstGeom prst="rect">
             <a:avLst/>
@@ -16129,14 +16238,15 @@
             <a:endParaRPr sz="1600"/>
           </a:p>
           <a:p>
-            <a:pPr indent="0" lvl="0" marL="0" rtl="0" algn="l">
+            <a:pPr indent="-330200" lvl="0" marL="457200" rtl="0" algn="l">
               <a:spcBef>
                 <a:spcPts val="1200"/>
               </a:spcBef>
               <a:spcAft>
                 <a:spcPts val="0"/>
               </a:spcAft>
-              <a:buNone/>
+              <a:buSzPts val="1600"/>
+              <a:buChar char="●"/>
             </a:pPr>
             <a:r>
               <a:rPr lang="en-GB" sz="1600"/>
@@ -16145,14 +16255,15 @@
             <a:endParaRPr sz="1600"/>
           </a:p>
           <a:p>
-            <a:pPr indent="0" lvl="0" marL="0" rtl="0" algn="l">
-              <a:spcBef>
-                <a:spcPts val="1200"/>
-              </a:spcBef>
-              <a:spcAft>
-                <a:spcPts val="0"/>
-              </a:spcAft>
-              <a:buNone/>
+            <a:pPr indent="-330200" lvl="0" marL="457200" rtl="0" algn="l">
+              <a:spcBef>
+                <a:spcPts val="0"/>
+              </a:spcBef>
+              <a:spcAft>
+                <a:spcPts val="0"/>
+              </a:spcAft>
+              <a:buSzPts val="1600"/>
+              <a:buChar char="●"/>
             </a:pPr>
             <a:r>
               <a:rPr lang="en-GB" sz="1600"/>
@@ -16161,14 +16272,15 @@
             <a:endParaRPr sz="1600"/>
           </a:p>
           <a:p>
-            <a:pPr indent="0" lvl="0" marL="0" rtl="0" algn="l">
-              <a:spcBef>
-                <a:spcPts val="1200"/>
-              </a:spcBef>
-              <a:spcAft>
-                <a:spcPts val="0"/>
-              </a:spcAft>
-              <a:buNone/>
+            <a:pPr indent="-330200" lvl="0" marL="457200" rtl="0" algn="l">
+              <a:spcBef>
+                <a:spcPts val="0"/>
+              </a:spcBef>
+              <a:spcAft>
+                <a:spcPts val="0"/>
+              </a:spcAft>
+              <a:buSzPts val="1600"/>
+              <a:buChar char="●"/>
             </a:pPr>
             <a:r>
               <a:rPr lang="en-GB" sz="1600"/>
@@ -16178,6 +16290,9 @@
           </a:p>
           <a:p>
             <a:pPr indent="0" lvl="0" marL="0" rtl="0" algn="l">
+              <a:lnSpc>
+                <a:spcPct val="115000"/>
+              </a:lnSpc>
               <a:spcBef>
                 <a:spcPts val="1200"/>
               </a:spcBef>
@@ -16191,10 +16306,39 @@
             </a:r>
             <a:endParaRPr sz="1600"/>
           </a:p>
+        </p:txBody>
+      </p:sp>
+      <p:sp>
+        <p:nvSpPr>
+          <p:cNvPr id="301" name="Google Shape;301;p16"/>
+          <p:cNvSpPr txBox="1"/>
+          <p:nvPr/>
+        </p:nvSpPr>
+        <p:spPr>
+          <a:xfrm>
+            <a:off x="4436650" y="1300950"/>
+            <a:ext cx="4707300" cy="3153600"/>
+          </a:xfrm>
+          <a:prstGeom prst="rect">
+            <a:avLst/>
+          </a:prstGeom>
+          <a:noFill/>
+          <a:ln>
+            <a:noFill/>
+          </a:ln>
+        </p:spPr>
+        <p:txBody>
+          <a:bodyPr anchorCtr="0" anchor="t" bIns="91425" lIns="91425" spcFirstLastPara="1" rIns="91425" wrap="square" tIns="91425">
+            <a:noAutofit/>
+          </a:bodyPr>
+          <a:lstStyle/>
           <a:p>
             <a:pPr indent="0" lvl="0" marL="0" rtl="0" algn="l">
-              <a:spcBef>
-                <a:spcPts val="1200"/>
+              <a:lnSpc>
+                <a:spcPct val="115000"/>
+              </a:lnSpc>
+              <a:spcBef>
+                <a:spcPts val="0"/>
               </a:spcBef>
               <a:spcAft>
                 <a:spcPts val="0"/>
@@ -16202,42 +16346,146 @@
               <a:buNone/>
             </a:pPr>
             <a:r>
-              <a:rPr lang="en-GB" sz="1600"/>
+              <a:rPr lang="en-GB" sz="1600">
+                <a:solidFill>
+                  <a:schemeClr val="dk2"/>
+                </a:solidFill>
+                <a:latin typeface="Nunito"/>
+                <a:ea typeface="Nunito"/>
+                <a:cs typeface="Nunito"/>
+                <a:sym typeface="Nunito"/>
+              </a:rPr>
               <a:t>Features to implement:</a:t>
             </a:r>
-            <a:endParaRPr sz="1600"/>
+            <a:endParaRPr sz="1600">
+              <a:solidFill>
+                <a:schemeClr val="dk2"/>
+              </a:solidFill>
+              <a:latin typeface="Nunito"/>
+              <a:ea typeface="Nunito"/>
+              <a:cs typeface="Nunito"/>
+              <a:sym typeface="Nunito"/>
+            </a:endParaRPr>
           </a:p>
           <a:p>
-            <a:pPr indent="0" lvl="0" marL="0" rtl="0" algn="l">
+            <a:pPr indent="-330200" lvl="0" marL="457200" rtl="0" algn="l">
+              <a:lnSpc>
+                <a:spcPct val="115000"/>
+              </a:lnSpc>
               <a:spcBef>
                 <a:spcPts val="1200"/>
               </a:spcBef>
               <a:spcAft>
                 <a:spcPts val="0"/>
               </a:spcAft>
-              <a:buNone/>
+              <a:buClr>
+                <a:schemeClr val="dk2"/>
+              </a:buClr>
+              <a:buSzPts val="1600"/>
+              <a:buFont typeface="Nunito"/>
+              <a:buChar char="●"/>
             </a:pPr>
             <a:r>
-              <a:rPr lang="en-GB" sz="1600"/>
-              <a:t>News hub which displays various articles regarding mental health and treatment</a:t>
+              <a:rPr lang="en-GB" sz="1600">
+                <a:solidFill>
+                  <a:schemeClr val="dk2"/>
+                </a:solidFill>
+                <a:latin typeface="Nunito"/>
+                <a:ea typeface="Nunito"/>
+                <a:cs typeface="Nunito"/>
+                <a:sym typeface="Nunito"/>
+              </a:rPr>
+              <a:t>Educational content about the psyche ( Includes articles, infographics, video recommendations) on common subjects (stress, anxiety, sleep, mindfulness) is available to the public.</a:t>
             </a:r>
-            <a:endParaRPr sz="1600"/>
+            <a:endParaRPr sz="1600">
+              <a:solidFill>
+                <a:schemeClr val="dk2"/>
+              </a:solidFill>
+              <a:latin typeface="Nunito"/>
+              <a:ea typeface="Nunito"/>
+              <a:cs typeface="Nunito"/>
+              <a:sym typeface="Nunito"/>
+            </a:endParaRPr>
           </a:p>
           <a:p>
-            <a:pPr indent="0" lvl="0" marL="0" rtl="0" algn="l">
-              <a:spcBef>
-                <a:spcPts val="1200"/>
-              </a:spcBef>
-              <a:spcAft>
-                <a:spcPts val="1200"/>
-              </a:spcAft>
-              <a:buNone/>
+            <a:pPr indent="-330200" lvl="0" marL="457200" rtl="0" algn="l">
+              <a:lnSpc>
+                <a:spcPct val="115000"/>
+              </a:lnSpc>
+              <a:spcBef>
+                <a:spcPts val="0"/>
+              </a:spcBef>
+              <a:spcAft>
+                <a:spcPts val="0"/>
+              </a:spcAft>
+              <a:buClr>
+                <a:schemeClr val="dk2"/>
+              </a:buClr>
+              <a:buSzPts val="1600"/>
+              <a:buFont typeface="Nunito"/>
+              <a:buChar char="●"/>
             </a:pPr>
             <a:r>
-              <a:rPr lang="en-GB" sz="1600"/>
-              <a:t>Links to mental health foundations and experts</a:t>
+              <a:rPr lang="en-GB" sz="1600">
+                <a:solidFill>
+                  <a:schemeClr val="dk2"/>
+                </a:solidFill>
+                <a:latin typeface="Nunito"/>
+                <a:ea typeface="Nunito"/>
+                <a:cs typeface="Nunito"/>
+                <a:sym typeface="Nunito"/>
+              </a:rPr>
+              <a:t>Journal entry system where users can log their daily reflections either through form or private entries.</a:t>
             </a:r>
-            <a:endParaRPr sz="1600"/>
+            <a:endParaRPr sz="1600">
+              <a:solidFill>
+                <a:schemeClr val="dk2"/>
+              </a:solidFill>
+              <a:latin typeface="Nunito"/>
+              <a:ea typeface="Nunito"/>
+              <a:cs typeface="Nunito"/>
+              <a:sym typeface="Nunito"/>
+            </a:endParaRPr>
+          </a:p>
+          <a:p>
+            <a:pPr indent="-330200" lvl="0" marL="457200" rtl="0" algn="l">
+              <a:lnSpc>
+                <a:spcPct val="115000"/>
+              </a:lnSpc>
+              <a:spcBef>
+                <a:spcPts val="0"/>
+              </a:spcBef>
+              <a:spcAft>
+                <a:spcPts val="0"/>
+              </a:spcAft>
+              <a:buClr>
+                <a:schemeClr val="dk2"/>
+              </a:buClr>
+              <a:buSzPts val="1600"/>
+              <a:buFont typeface="Nunito"/>
+              <a:buChar char="●"/>
+            </a:pPr>
+            <a:r>
+              <a:rPr lang="en-GB" sz="1600">
+                <a:solidFill>
+                  <a:schemeClr val="dk2"/>
+                </a:solidFill>
+                <a:latin typeface="Nunito"/>
+                <a:ea typeface="Nunito"/>
+                <a:cs typeface="Nunito"/>
+                <a:sym typeface="Nunito"/>
+              </a:rPr>
+              <a:t>An anonymous forum page where users can ask questions and other users can respond and share their thoughts.</a:t>
+            </a:r>
+            <a:endParaRPr sz="1600">
+              <a:solidFill>
+                <a:schemeClr val="dk2"/>
+              </a:solidFill>
+              <a:latin typeface="Nunito"/>
+              <a:ea typeface="Nunito"/>
+              <a:cs typeface="Nunito"/>
+              <a:sym typeface="Nunito"/>
+            </a:endParaRPr>
           </a:p>
         </p:txBody>
       </p:sp>
@@ -16254,7 +16502,7 @@
   <p:cSld>
     <p:spTree>
       <p:nvGrpSpPr>
-        <p:cNvPr id="300" name="Shape 300"/>
+        <p:cNvPr id="305" name="Shape 305"/>
         <p:cNvGrpSpPr/>
         <p:nvPr/>
       </p:nvGrpSpPr>
@@ -16268,7 +16516,7 @@
       </p:grpSpPr>
       <p:sp>
         <p:nvSpPr>
-          <p:cNvPr id="301" name="Google Shape;301;p17"/>
+          <p:cNvPr id="306" name="Google Shape;306;p17"/>
           <p:cNvSpPr txBox="1"/>
           <p:nvPr>
             <p:ph type="title"/>
@@ -16276,7 +16524,7 @@
         </p:nvSpPr>
         <p:spPr>
           <a:xfrm>
-            <a:off x="1303800" y="598575"/>
+            <a:off x="1303800" y="450925"/>
             <a:ext cx="7030500" cy="999300"/>
           </a:xfrm>
           <a:prstGeom prst="rect">
@@ -16313,7 +16561,7 @@
       </p:sp>
       <p:sp>
         <p:nvSpPr>
-          <p:cNvPr id="302" name="Google Shape;302;p17"/>
+          <p:cNvPr id="307" name="Google Shape;307;p17"/>
           <p:cNvSpPr txBox="1"/>
           <p:nvPr>
             <p:ph idx="1" type="body"/>
@@ -16349,10 +16597,10 @@
               <a:buNone/>
             </a:pPr>
             <a:r>
-              <a:rPr lang="en-GB"/>
+              <a:rPr lang="en-GB" sz="1600"/>
               <a:t>Feeling overwhelmed, a student finds MindSpace. The student uses the self assessment tools provided, to find that results show that they are under a significant amount of stress. The tool instantly suggests breathing exercises to calm down. The student then explores the site further and finds more articles to help cope with stress.</a:t>
             </a:r>
-            <a:endParaRPr/>
+            <a:endParaRPr sz="1600"/>
           </a:p>
           <a:p>
             <a:pPr indent="0" lvl="0" marL="0" rtl="0" algn="l">
@@ -16367,7 +16615,7 @@
             <a:r>
               <a:t/>
             </a:r>
-            <a:endParaRPr/>
+            <a:endParaRPr sz="1600"/>
           </a:p>
         </p:txBody>
       </p:sp>
@@ -16380,6 +16628,285 @@
 </file>
 
 <file path=ppt/theme/theme1.xml><?xml version="1.0" encoding="utf-8"?>
+<a:theme xmlns:a="http://schemas.openxmlformats.org/drawingml/2006/main" xmlns:r="http://schemas.openxmlformats.org/officeDocument/2006/relationships">
+  <a:themeElements>
+    <a:clrScheme name="Default">
+      <a:dk1>
+        <a:srgbClr val="000000"/>
+      </a:dk1>
+      <a:lt1>
+        <a:srgbClr val="FFFFFF"/>
+      </a:lt1>
+      <a:dk2>
+        <a:srgbClr val="158158"/>
+      </a:dk2>
+      <a:lt2>
+        <a:srgbClr val="F3F3F3"/>
+      </a:lt2>
+      <a:accent1>
+        <a:srgbClr val="058DC7"/>
+      </a:accent1>
+      <a:accent2>
+        <a:srgbClr val="50B432"/>
+      </a:accent2>
+      <a:accent3>
+        <a:srgbClr val="ED561B"/>
+      </a:accent3>
+      <a:accent4>
+        <a:srgbClr val="EDEF00"/>
+      </a:accent4>
+      <a:accent5>
+        <a:srgbClr val="24CBE5"/>
+      </a:accent5>
+      <a:accent6>
+        <a:srgbClr val="64E572"/>
+      </a:accent6>
+      <a:hlink>
+        <a:srgbClr val="2200CC"/>
+      </a:hlink>
+      <a:folHlink>
+        <a:srgbClr val="551A8B"/>
+      </a:folHlink>
+    </a:clrScheme>
+    <a:fontScheme name="Office">
+      <a:majorFont>
+        <a:latin typeface="Arial"/>
+        <a:ea typeface=""/>
+        <a:cs typeface=""/>
+        <a:font script="Jpan" typeface="ＭＳ Ｐゴシック"/>
+        <a:font script="Hang" typeface="맑은 고딕"/>
+        <a:font script="Hans" typeface="宋体"/>
+        <a:font script="Hant" typeface="新細明體"/>
+        <a:font script="Arab" typeface="Times New Roman"/>
+        <a:font script="Hebr" typeface="Times New Roman"/>
+        <a:font script="Thai" typeface="Angsana New"/>
+        <a:font script="Ethi" typeface="Nyala"/>
+        <a:font script="Beng" typeface="Vrinda"/>
+        <a:font script="Gujr" typeface="Shruti"/>
+        <a:font script="Khmr" typeface="MoolBoran"/>
+        <a:font script="Knda" typeface="Tunga"/>
+        <a:font script="Guru" typeface="Raavi"/>
+        <a:font script="Cans" typeface="Euphemia"/>
+        <a:font script="Cher" typeface="Plantagenet Cherokee"/>
+        <a:font script="Yiii" typeface="Microsoft Yi Baiti"/>
+        <a:font script="Tibt" typeface="Microsoft Himalaya"/>
+        <a:font script="Thaa" typeface="MV Boli"/>
+        <a:font script="Deva" typeface="Mangal"/>
+        <a:font script="Telu" typeface="Gautami"/>
+        <a:font script="Taml" typeface="Latha"/>
+        <a:font script="Syrc" typeface="Estrangelo Edessa"/>
+        <a:font script="Orya" typeface="Kalinga"/>
+        <a:font script="Mlym" typeface="Kartika"/>
+        <a:font script="Laoo" typeface="DokChampa"/>
+        <a:font script="Sinh" typeface="Iskoola Pota"/>
+        <a:font script="Mong" typeface="Mongolian Baiti"/>
+        <a:font script="Viet" typeface="Times New Roman"/>
+        <a:font script="Uigh" typeface="Microsoft Uighur"/>
+        <a:font script="Geor" typeface="Sylfaen"/>
+      </a:majorFont>
+      <a:minorFont>
+        <a:latin typeface="Arial"/>
+        <a:ea typeface=""/>
+        <a:cs typeface=""/>
+        <a:font script="Jpan" typeface="ＭＳ Ｐゴシック"/>
+        <a:font script="Hang" typeface="맑은 고딕"/>
+        <a:font script="Hans" typeface="宋体"/>
+        <a:font script="Hant" typeface="新細明體"/>
+        <a:font script="Arab" typeface="Arial"/>
+        <a:font script="Hebr" typeface="Arial"/>
+        <a:font script="Thai" typeface="Cordia New"/>
+        <a:font script="Ethi" typeface="Nyala"/>
+        <a:font script="Beng" typeface="Vrinda"/>
+        <a:font script="Gujr" typeface="Shruti"/>
+        <a:font script="Khmr" typeface="DaunPenh"/>
+        <a:font script="Knda" typeface="Tunga"/>
+        <a:font script="Guru" typeface="Raavi"/>
+        <a:font script="Cans" typeface="Euphemia"/>
+        <a:font script="Cher" typeface="Plantagenet Cherokee"/>
+        <a:font script="Yiii" typeface="Microsoft Yi Baiti"/>
+        <a:font script="Tibt" typeface="Microsoft Himalaya"/>
+        <a:font script="Thaa" typeface="MV Boli"/>
+        <a:font script="Deva" typeface="Mangal"/>
+        <a:font script="Telu" typeface="Gautami"/>
+        <a:font script="Taml" typeface="Latha"/>
+        <a:font script="Syrc" typeface="Estrangelo Edessa"/>
+        <a:font script="Orya" typeface="Kalinga"/>
+        <a:font script="Mlym" typeface="Kartika"/>
+        <a:font script="Laoo" typeface="DokChampa"/>
+        <a:font script="Sinh" typeface="Iskoola Pota"/>
+        <a:font script="Mong" typeface="Mongolian Baiti"/>
+        <a:font script="Viet" typeface="Arial"/>
+        <a:font script="Uigh" typeface="Microsoft Uighur"/>
+        <a:font script="Geor" typeface="Sylfaen"/>
+      </a:minorFont>
+    </a:fontScheme>
+    <a:fmtScheme name="Office">
+      <a:fillStyleLst>
+        <a:solidFill>
+          <a:schemeClr val="phClr"/>
+        </a:solidFill>
+        <a:gradFill rotWithShape="1">
+          <a:gsLst>
+            <a:gs pos="0">
+              <a:schemeClr val="phClr">
+                <a:tint val="50000"/>
+                <a:satMod val="300000"/>
+              </a:schemeClr>
+            </a:gs>
+            <a:gs pos="35000">
+              <a:schemeClr val="phClr">
+                <a:tint val="37000"/>
+                <a:satMod val="300000"/>
+              </a:schemeClr>
+            </a:gs>
+            <a:gs pos="100000">
+              <a:schemeClr val="phClr">
+                <a:tint val="15000"/>
+                <a:satMod val="350000"/>
+              </a:schemeClr>
+            </a:gs>
+          </a:gsLst>
+          <a:lin ang="16200000" scaled="1"/>
+        </a:gradFill>
+        <a:gradFill rotWithShape="1">
+          <a:gsLst>
+            <a:gs pos="0">
+              <a:schemeClr val="phClr">
+                <a:tint val="100000"/>
+                <a:shade val="100000"/>
+                <a:satMod val="130000"/>
+              </a:schemeClr>
+            </a:gs>
+            <a:gs pos="100000">
+              <a:schemeClr val="phClr">
+                <a:tint val="50000"/>
+                <a:shade val="100000"/>
+                <a:satMod val="350000"/>
+              </a:schemeClr>
+            </a:gs>
+          </a:gsLst>
+          <a:lin ang="16200000" scaled="0"/>
+        </a:gradFill>
+      </a:fillStyleLst>
+      <a:lnStyleLst>
+        <a:ln w="9525" cap="flat" cmpd="sng" algn="ctr">
+          <a:solidFill>
+            <a:schemeClr val="phClr">
+              <a:shade val="95000"/>
+              <a:satMod val="105000"/>
+            </a:schemeClr>
+          </a:solidFill>
+          <a:prstDash val="solid"/>
+        </a:ln>
+        <a:ln w="25400" cap="flat" cmpd="sng" algn="ctr">
+          <a:solidFill>
+            <a:schemeClr val="phClr"/>
+          </a:solidFill>
+          <a:prstDash val="solid"/>
+        </a:ln>
+        <a:ln w="38100" cap="flat" cmpd="sng" algn="ctr">
+          <a:solidFill>
+            <a:schemeClr val="phClr"/>
+          </a:solidFill>
+          <a:prstDash val="solid"/>
+        </a:ln>
+      </a:lnStyleLst>
+      <a:effectStyleLst>
+        <a:effectStyle>
+          <a:effectLst>
+            <a:outerShdw blurRad="40000" dist="20000" dir="5400000" rotWithShape="0">
+              <a:srgbClr val="000000">
+                <a:alpha val="38000"/>
+              </a:srgbClr>
+            </a:outerShdw>
+          </a:effectLst>
+        </a:effectStyle>
+        <a:effectStyle>
+          <a:effectLst>
+            <a:outerShdw blurRad="40000" dist="23000" dir="5400000" rotWithShape="0">
+              <a:srgbClr val="000000">
+                <a:alpha val="35000"/>
+              </a:srgbClr>
+            </a:outerShdw>
+          </a:effectLst>
+        </a:effectStyle>
+        <a:effectStyle>
+          <a:effectLst>
+            <a:outerShdw blurRad="40000" dist="23000" dir="5400000" rotWithShape="0">
+              <a:srgbClr val="000000">
+                <a:alpha val="35000"/>
+              </a:srgbClr>
+            </a:outerShdw>
+          </a:effectLst>
+          <a:scene3d>
+            <a:camera prst="orthographicFront">
+              <a:rot lat="0" lon="0" rev="0"/>
+            </a:camera>
+            <a:lightRig rig="threePt" dir="t">
+              <a:rot lat="0" lon="0" rev="1200000"/>
+            </a:lightRig>
+          </a:scene3d>
+          <a:sp3d>
+            <a:bevelT w="63500" h="25400"/>
+          </a:sp3d>
+        </a:effectStyle>
+      </a:effectStyleLst>
+      <a:bgFillStyleLst>
+        <a:solidFill>
+          <a:schemeClr val="phClr"/>
+        </a:solidFill>
+        <a:gradFill rotWithShape="1">
+          <a:gsLst>
+            <a:gs pos="0">
+              <a:schemeClr val="phClr">
+                <a:tint val="40000"/>
+                <a:satMod val="350000"/>
+              </a:schemeClr>
+            </a:gs>
+            <a:gs pos="40000">
+              <a:schemeClr val="phClr">
+                <a:tint val="45000"/>
+                <a:shade val="99000"/>
+                <a:satMod val="350000"/>
+              </a:schemeClr>
+            </a:gs>
+            <a:gs pos="100000">
+              <a:schemeClr val="phClr">
+                <a:shade val="20000"/>
+                <a:satMod val="255000"/>
+              </a:schemeClr>
+            </a:gs>
+          </a:gsLst>
+          <a:path path="circle">
+            <a:fillToRect l="50000" t="-80000" r="50000" b="180000"/>
+          </a:path>
+        </a:gradFill>
+        <a:gradFill rotWithShape="1">
+          <a:gsLst>
+            <a:gs pos="0">
+              <a:schemeClr val="phClr">
+                <a:tint val="80000"/>
+                <a:satMod val="300000"/>
+              </a:schemeClr>
+            </a:gs>
+            <a:gs pos="100000">
+              <a:schemeClr val="phClr">
+                <a:shade val="30000"/>
+                <a:satMod val="200000"/>
+              </a:schemeClr>
+            </a:gs>
+          </a:gsLst>
+          <a:path path="circle">
+            <a:fillToRect l="50000" t="50000" r="50000" b="50000"/>
+          </a:path>
+        </a:gradFill>
+      </a:bgFillStyleLst>
+    </a:fmtScheme>
+  </a:themeElements>
+</a:theme>
+</file>
+
+<file path=ppt/theme/theme2.xml><?xml version="1.0" encoding="utf-8"?>
 <a:theme xmlns:a="http://schemas.openxmlformats.org/drawingml/2006/main" xmlns:r="http://schemas.openxmlformats.org/officeDocument/2006/relationships" name="Momentum">
   <a:themeElements>
     <a:clrScheme name="Momentum">
@@ -16656,283 +17183,4 @@
     </a:fmtScheme>
   </a:themeElements>
 </a:theme>
-</file>
-
-<file path=ppt/theme/theme2.xml><?xml version="1.0" encoding="utf-8"?>
-<a:theme xmlns:a="http://schemas.openxmlformats.org/drawingml/2006/main" xmlns:r="http://schemas.openxmlformats.org/officeDocument/2006/relationships">
-  <a:themeElements>
-    <a:clrScheme name="Default">
-      <a:dk1>
-        <a:srgbClr val="000000"/>
-      </a:dk1>
-      <a:lt1>
-        <a:srgbClr val="FFFFFF"/>
-      </a:lt1>
-      <a:dk2>
-        <a:srgbClr val="158158"/>
-      </a:dk2>
-      <a:lt2>
-        <a:srgbClr val="F3F3F3"/>
-      </a:lt2>
-      <a:accent1>
-        <a:srgbClr val="058DC7"/>
-      </a:accent1>
-      <a:accent2>
-        <a:srgbClr val="50B432"/>
-      </a:accent2>
-      <a:accent3>
-        <a:srgbClr val="ED561B"/>
-      </a:accent3>
-      <a:accent4>
-        <a:srgbClr val="EDEF00"/>
-      </a:accent4>
-      <a:accent5>
-        <a:srgbClr val="24CBE5"/>
-      </a:accent5>
-      <a:accent6>
-        <a:srgbClr val="64E572"/>
-      </a:accent6>
-      <a:hlink>
-        <a:srgbClr val="2200CC"/>
-      </a:hlink>
-      <a:folHlink>
-        <a:srgbClr val="551A8B"/>
-      </a:folHlink>
-    </a:clrScheme>
-    <a:fontScheme name="Office">
-      <a:majorFont>
-        <a:latin typeface="Arial"/>
-        <a:ea typeface=""/>
-        <a:cs typeface=""/>
-        <a:font script="Jpan" typeface="ＭＳ Ｐゴシック"/>
-        <a:font script="Hang" typeface="맑은 고딕"/>
-        <a:font script="Hans" typeface="宋体"/>
-        <a:font script="Hant" typeface="新細明體"/>
-        <a:font script="Arab" typeface="Times New Roman"/>
-        <a:font script="Hebr" typeface="Times New Roman"/>
-        <a:font script="Thai" typeface="Angsana New"/>
-        <a:font script="Ethi" typeface="Nyala"/>
-        <a:font script="Beng" typeface="Vrinda"/>
-        <a:font script="Gujr" typeface="Shruti"/>
-        <a:font script="Khmr" typeface="MoolBoran"/>
-        <a:font script="Knda" typeface="Tunga"/>
-        <a:font script="Guru" typeface="Raavi"/>
-        <a:font script="Cans" typeface="Euphemia"/>
-        <a:font script="Cher" typeface="Plantagenet Cherokee"/>
-        <a:font script="Yiii" typeface="Microsoft Yi Baiti"/>
-        <a:font script="Tibt" typeface="Microsoft Himalaya"/>
-        <a:font script="Thaa" typeface="MV Boli"/>
-        <a:font script="Deva" typeface="Mangal"/>
-        <a:font script="Telu" typeface="Gautami"/>
-        <a:font script="Taml" typeface="Latha"/>
-        <a:font script="Syrc" typeface="Estrangelo Edessa"/>
-        <a:font script="Orya" typeface="Kalinga"/>
-        <a:font script="Mlym" typeface="Kartika"/>
-        <a:font script="Laoo" typeface="DokChampa"/>
-        <a:font script="Sinh" typeface="Iskoola Pota"/>
-        <a:font script="Mong" typeface="Mongolian Baiti"/>
-        <a:font script="Viet" typeface="Times New Roman"/>
-        <a:font script="Uigh" typeface="Microsoft Uighur"/>
-        <a:font script="Geor" typeface="Sylfaen"/>
-      </a:majorFont>
-      <a:minorFont>
-        <a:latin typeface="Arial"/>
-        <a:ea typeface=""/>
-        <a:cs typeface=""/>
-        <a:font script="Jpan" typeface="ＭＳ Ｐゴシック"/>
-        <a:font script="Hang" typeface="맑은 고딕"/>
-        <a:font script="Hans" typeface="宋体"/>
-        <a:font script="Hant" typeface="新細明體"/>
-        <a:font script="Arab" typeface="Arial"/>
-        <a:font script="Hebr" typeface="Arial"/>
-        <a:font script="Thai" typeface="Cordia New"/>
-        <a:font script="Ethi" typeface="Nyala"/>
-        <a:font script="Beng" typeface="Vrinda"/>
-        <a:font script="Gujr" typeface="Shruti"/>
-        <a:font script="Khmr" typeface="DaunPenh"/>
-        <a:font script="Knda" typeface="Tunga"/>
-        <a:font script="Guru" typeface="Raavi"/>
-        <a:font script="Cans" typeface="Euphemia"/>
-        <a:font script="Cher" typeface="Plantagenet Cherokee"/>
-        <a:font script="Yiii" typeface="Microsoft Yi Baiti"/>
-        <a:font script="Tibt" typeface="Microsoft Himalaya"/>
-        <a:font script="Thaa" typeface="MV Boli"/>
-        <a:font script="Deva" typeface="Mangal"/>
-        <a:font script="Telu" typeface="Gautami"/>
-        <a:font script="Taml" typeface="Latha"/>
-        <a:font script="Syrc" typeface="Estrangelo Edessa"/>
-        <a:font script="Orya" typeface="Kalinga"/>
-        <a:font script="Mlym" typeface="Kartika"/>
-        <a:font script="Laoo" typeface="DokChampa"/>
-        <a:font script="Sinh" typeface="Iskoola Pota"/>
-        <a:font script="Mong" typeface="Mongolian Baiti"/>
-        <a:font script="Viet" typeface="Arial"/>
-        <a:font script="Uigh" typeface="Microsoft Uighur"/>
-        <a:font script="Geor" typeface="Sylfaen"/>
-      </a:minorFont>
-    </a:fontScheme>
-    <a:fmtScheme name="Office">
-      <a:fillStyleLst>
-        <a:solidFill>
-          <a:schemeClr val="phClr"/>
-        </a:solidFill>
-        <a:gradFill rotWithShape="1">
-          <a:gsLst>
-            <a:gs pos="0">
-              <a:schemeClr val="phClr">
-                <a:tint val="50000"/>
-                <a:satMod val="300000"/>
-              </a:schemeClr>
-            </a:gs>
-            <a:gs pos="35000">
-              <a:schemeClr val="phClr">
-                <a:tint val="37000"/>
-                <a:satMod val="300000"/>
-              </a:schemeClr>
-            </a:gs>
-            <a:gs pos="100000">
-              <a:schemeClr val="phClr">
-                <a:tint val="15000"/>
-                <a:satMod val="350000"/>
-              </a:schemeClr>
-            </a:gs>
-          </a:gsLst>
-          <a:lin ang="16200000" scaled="1"/>
-        </a:gradFill>
-        <a:gradFill rotWithShape="1">
-          <a:gsLst>
-            <a:gs pos="0">
-              <a:schemeClr val="phClr">
-                <a:tint val="100000"/>
-                <a:shade val="100000"/>
-                <a:satMod val="130000"/>
-              </a:schemeClr>
-            </a:gs>
-            <a:gs pos="100000">
-              <a:schemeClr val="phClr">
-                <a:tint val="50000"/>
-                <a:shade val="100000"/>
-                <a:satMod val="350000"/>
-              </a:schemeClr>
-            </a:gs>
-          </a:gsLst>
-          <a:lin ang="16200000" scaled="0"/>
-        </a:gradFill>
-      </a:fillStyleLst>
-      <a:lnStyleLst>
-        <a:ln w="9525" cap="flat" cmpd="sng" algn="ctr">
-          <a:solidFill>
-            <a:schemeClr val="phClr">
-              <a:shade val="95000"/>
-              <a:satMod val="105000"/>
-            </a:schemeClr>
-          </a:solidFill>
-          <a:prstDash val="solid"/>
-        </a:ln>
-        <a:ln w="25400" cap="flat" cmpd="sng" algn="ctr">
-          <a:solidFill>
-            <a:schemeClr val="phClr"/>
-          </a:solidFill>
-          <a:prstDash val="solid"/>
-        </a:ln>
-        <a:ln w="38100" cap="flat" cmpd="sng" algn="ctr">
-          <a:solidFill>
-            <a:schemeClr val="phClr"/>
-          </a:solidFill>
-          <a:prstDash val="solid"/>
-        </a:ln>
-      </a:lnStyleLst>
-      <a:effectStyleLst>
-        <a:effectStyle>
-          <a:effectLst>
-            <a:outerShdw blurRad="40000" dist="20000" dir="5400000" rotWithShape="0">
-              <a:srgbClr val="000000">
-                <a:alpha val="38000"/>
-              </a:srgbClr>
-            </a:outerShdw>
-          </a:effectLst>
-        </a:effectStyle>
-        <a:effectStyle>
-          <a:effectLst>
-            <a:outerShdw blurRad="40000" dist="23000" dir="5400000" rotWithShape="0">
-              <a:srgbClr val="000000">
-                <a:alpha val="35000"/>
-              </a:srgbClr>
-            </a:outerShdw>
-          </a:effectLst>
-        </a:effectStyle>
-        <a:effectStyle>
-          <a:effectLst>
-            <a:outerShdw blurRad="40000" dist="23000" dir="5400000" rotWithShape="0">
-              <a:srgbClr val="000000">
-                <a:alpha val="35000"/>
-              </a:srgbClr>
-            </a:outerShdw>
-          </a:effectLst>
-          <a:scene3d>
-            <a:camera prst="orthographicFront">
-              <a:rot lat="0" lon="0" rev="0"/>
-            </a:camera>
-            <a:lightRig rig="threePt" dir="t">
-              <a:rot lat="0" lon="0" rev="1200000"/>
-            </a:lightRig>
-          </a:scene3d>
-          <a:sp3d>
-            <a:bevelT w="63500" h="25400"/>
-          </a:sp3d>
-        </a:effectStyle>
-      </a:effectStyleLst>
-      <a:bgFillStyleLst>
-        <a:solidFill>
-          <a:schemeClr val="phClr"/>
-        </a:solidFill>
-        <a:gradFill rotWithShape="1">
-          <a:gsLst>
-            <a:gs pos="0">
-              <a:schemeClr val="phClr">
-                <a:tint val="40000"/>
-                <a:satMod val="350000"/>
-              </a:schemeClr>
-            </a:gs>
-            <a:gs pos="40000">
-              <a:schemeClr val="phClr">
-                <a:tint val="45000"/>
-                <a:shade val="99000"/>
-                <a:satMod val="350000"/>
-              </a:schemeClr>
-            </a:gs>
-            <a:gs pos="100000">
-              <a:schemeClr val="phClr">
-                <a:shade val="20000"/>
-                <a:satMod val="255000"/>
-              </a:schemeClr>
-            </a:gs>
-          </a:gsLst>
-          <a:path path="circle">
-            <a:fillToRect l="50000" t="-80000" r="50000" b="180000"/>
-          </a:path>
-        </a:gradFill>
-        <a:gradFill rotWithShape="1">
-          <a:gsLst>
-            <a:gs pos="0">
-              <a:schemeClr val="phClr">
-                <a:tint val="80000"/>
-                <a:satMod val="300000"/>
-              </a:schemeClr>
-            </a:gs>
-            <a:gs pos="100000">
-              <a:schemeClr val="phClr">
-                <a:shade val="30000"/>
-                <a:satMod val="200000"/>
-              </a:schemeClr>
-            </a:gs>
-          </a:gsLst>
-          <a:path path="circle">
-            <a:fillToRect l="50000" t="50000" r="50000" b="50000"/>
-          </a:path>
-        </a:gradFill>
-      </a:bgFillStyleLst>
-    </a:fmtScheme>
-  </a:themeElements>
-</a:theme>
 </file>
--- a/ISTE Project PPT Group 6.pptx
+++ b/ISTE Project PPT Group 6.pptx
@@ -13,21 +13,22 @@
     <p:sldId id="258" r:id="rId8"/>
     <p:sldId id="259" r:id="rId9"/>
     <p:sldId id="260" r:id="rId10"/>
+    <p:sldId id="261" r:id="rId11"/>
   </p:sldIdLst>
   <p:sldSz cy="5143500" cx="9144000"/>
   <p:notesSz cx="6858000" cy="9144000"/>
   <p:embeddedFontLst>
     <p:embeddedFont>
       <p:font typeface="Nunito"/>
-      <p:regular r:id="rId11"/>
-      <p:bold r:id="rId12"/>
-      <p:italic r:id="rId13"/>
-      <p:boldItalic r:id="rId14"/>
+      <p:regular r:id="rId12"/>
+      <p:bold r:id="rId13"/>
+      <p:italic r:id="rId14"/>
+      <p:boldItalic r:id="rId15"/>
     </p:embeddedFont>
     <p:embeddedFont>
       <p:font typeface="Maven Pro"/>
-      <p:regular r:id="rId15"/>
-      <p:bold r:id="rId16"/>
+      <p:regular r:id="rId16"/>
+      <p:bold r:id="rId17"/>
     </p:embeddedFont>
   </p:embeddedFontLst>
   <p:defaultTextStyle>
@@ -808,7 +809,7 @@
   <p:cSld>
     <p:spTree>
       <p:nvGrpSpPr>
-        <p:cNvPr id="279" name="Shape 279"/>
+        <p:cNvPr id="282" name="Shape 282"/>
         <p:cNvGrpSpPr/>
         <p:nvPr/>
       </p:nvGrpSpPr>
@@ -822,7 +823,7 @@
       </p:grpSpPr>
       <p:sp>
         <p:nvSpPr>
-          <p:cNvPr id="280" name="Google Shape;280;g3c8dccbd003_1_0:notes"/>
+          <p:cNvPr id="283" name="Google Shape;283;g3c8dccbd003_1_0:notes"/>
           <p:cNvSpPr/>
           <p:nvPr>
             <p:ph idx="2" type="sldImg"/>
@@ -857,7 +858,7 @@
       </p:sp>
       <p:sp>
         <p:nvSpPr>
-          <p:cNvPr id="281" name="Google Shape;281;g3c8dccbd003_1_0:notes"/>
+          <p:cNvPr id="284" name="Google Shape;284;g3c8dccbd003_1_0:notes"/>
           <p:cNvSpPr txBox="1"/>
           <p:nvPr>
             <p:ph idx="1" type="body"/>
@@ -907,7 +908,7 @@
   <p:cSld>
     <p:spTree>
       <p:nvGrpSpPr>
-        <p:cNvPr id="289" name="Shape 289"/>
+        <p:cNvPr id="292" name="Shape 292"/>
         <p:cNvGrpSpPr/>
         <p:nvPr/>
       </p:nvGrpSpPr>
@@ -921,7 +922,7 @@
       </p:grpSpPr>
       <p:sp>
         <p:nvSpPr>
-          <p:cNvPr id="290" name="Google Shape;290;g3868c456c3d_4_5:notes"/>
+          <p:cNvPr id="293" name="Google Shape;293;g3868c456c3d_4_5:notes"/>
           <p:cNvSpPr/>
           <p:nvPr>
             <p:ph idx="2" type="sldImg"/>
@@ -956,7 +957,7 @@
       </p:sp>
       <p:sp>
         <p:nvSpPr>
-          <p:cNvPr id="291" name="Google Shape;291;g3868c456c3d_4_5:notes"/>
+          <p:cNvPr id="294" name="Google Shape;294;g3868c456c3d_4_5:notes"/>
           <p:cNvSpPr txBox="1"/>
           <p:nvPr>
             <p:ph idx="1" type="body"/>
@@ -1006,7 +1007,7 @@
   <p:cSld>
     <p:spTree>
       <p:nvGrpSpPr>
-        <p:cNvPr id="295" name="Shape 295"/>
+        <p:cNvPr id="299" name="Shape 299"/>
         <p:cNvGrpSpPr/>
         <p:nvPr/>
       </p:nvGrpSpPr>
@@ -1020,7 +1021,7 @@
       </p:grpSpPr>
       <p:sp>
         <p:nvSpPr>
-          <p:cNvPr id="296" name="Google Shape;296;g3868c456c3d_4_16:notes"/>
+          <p:cNvPr id="300" name="Google Shape;300;g3868c456c3d_4_16:notes"/>
           <p:cNvSpPr/>
           <p:nvPr>
             <p:ph idx="2" type="sldImg"/>
@@ -1055,7 +1056,7 @@
       </p:sp>
       <p:sp>
         <p:nvSpPr>
-          <p:cNvPr id="297" name="Google Shape;297;g3868c456c3d_4_16:notes"/>
+          <p:cNvPr id="301" name="Google Shape;301;g3868c456c3d_4_16:notes"/>
           <p:cNvSpPr txBox="1"/>
           <p:nvPr>
             <p:ph idx="1" type="body"/>
@@ -1105,7 +1106,7 @@
   <p:cSld>
     <p:spTree>
       <p:nvGrpSpPr>
-        <p:cNvPr id="302" name="Shape 302"/>
+        <p:cNvPr id="306" name="Shape 306"/>
         <p:cNvGrpSpPr/>
         <p:nvPr/>
       </p:nvGrpSpPr>
@@ -1119,7 +1120,7 @@
       </p:grpSpPr>
       <p:sp>
         <p:nvSpPr>
-          <p:cNvPr id="303" name="Google Shape;303;g3c44a97c0a3_0_0:notes"/>
+          <p:cNvPr id="307" name="Google Shape;307;g3c44a97c0a3_0_0:notes"/>
           <p:cNvSpPr/>
           <p:nvPr>
             <p:ph idx="2" type="sldImg"/>
@@ -1154,7 +1155,106 @@
       </p:sp>
       <p:sp>
         <p:nvSpPr>
-          <p:cNvPr id="304" name="Google Shape;304;g3c44a97c0a3_0_0:notes"/>
+          <p:cNvPr id="308" name="Google Shape;308;g3c44a97c0a3_0_0:notes"/>
+          <p:cNvSpPr txBox="1"/>
+          <p:nvPr>
+            <p:ph idx="1" type="body"/>
+          </p:nvPr>
+        </p:nvSpPr>
+        <p:spPr>
+          <a:xfrm>
+            <a:off x="685800" y="4343400"/>
+            <a:ext cx="5486400" cy="4114800"/>
+          </a:xfrm>
+          <a:prstGeom prst="rect">
+            <a:avLst/>
+          </a:prstGeom>
+        </p:spPr>
+        <p:txBody>
+          <a:bodyPr anchorCtr="0" anchor="t" bIns="91425" lIns="91425" spcFirstLastPara="1" rIns="91425" wrap="square" tIns="91425">
+            <a:noAutofit/>
+          </a:bodyPr>
+          <a:lstStyle/>
+          <a:p>
+            <a:pPr indent="0" lvl="0" marL="0" rtl="0" algn="l">
+              <a:spcBef>
+                <a:spcPts val="0"/>
+              </a:spcBef>
+              <a:spcAft>
+                <a:spcPts val="0"/>
+              </a:spcAft>
+              <a:buNone/>
+            </a:pPr>
+            <a:r>
+              <a:t/>
+            </a:r>
+            <a:endParaRPr/>
+          </a:p>
+        </p:txBody>
+      </p:sp>
+    </p:spTree>
+  </p:cSld>
+  <p:clrMapOvr>
+    <a:masterClrMapping/>
+  </p:clrMapOvr>
+</p:notes>
+</file>
+
+<file path=ppt/notesSlides/notesSlide6.xml><?xml version="1.0" encoding="utf-8"?>
+<p:notes xmlns:a="http://schemas.openxmlformats.org/drawingml/2006/main" xmlns:r="http://schemas.openxmlformats.org/officeDocument/2006/relationships" xmlns:mc="http://schemas.openxmlformats.org/markup-compatibility/2006" xmlns:mv="urn:schemas-microsoft-com:mac:vml" xmlns:p="http://schemas.openxmlformats.org/presentationml/2006/main" xmlns:c="http://schemas.openxmlformats.org/drawingml/2006/chart" xmlns:dgm="http://schemas.openxmlformats.org/drawingml/2006/diagram" xmlns:o="urn:schemas-microsoft-com:office:office" xmlns:v="urn:schemas-microsoft-com:vml" xmlns:pvml="urn:schemas-microsoft-com:office:powerpoint" xmlns:com="http://schemas.openxmlformats.org/drawingml/2006/compatibility" xmlns:p14="http://schemas.microsoft.com/office/powerpoint/2010/main" xmlns:p15="http://schemas.microsoft.com/office/powerpoint/2012/main" xmlns:ahyp="http://schemas.microsoft.com/office/drawing/2018/hyperlinkcolor" showMasterPhAnim="0" showMasterSp="0">
+  <p:cSld>
+    <p:spTree>
+      <p:nvGrpSpPr>
+        <p:cNvPr id="312" name="Shape 312"/>
+        <p:cNvGrpSpPr/>
+        <p:nvPr/>
+      </p:nvGrpSpPr>
+      <p:grpSpPr>
+        <a:xfrm>
+          <a:off x="0" y="0"/>
+          <a:ext cx="0" cy="0"/>
+          <a:chOff x="0" y="0"/>
+          <a:chExt cx="0" cy="0"/>
+        </a:xfrm>
+      </p:grpSpPr>
+      <p:sp>
+        <p:nvSpPr>
+          <p:cNvPr id="313" name="Google Shape;313;g3c8e428d546_0_4:notes"/>
+          <p:cNvSpPr/>
+          <p:nvPr>
+            <p:ph idx="2" type="sldImg"/>
+          </p:nvPr>
+        </p:nvSpPr>
+        <p:spPr>
+          <a:xfrm>
+            <a:off x="381300" y="685800"/>
+            <a:ext cx="6096000" cy="3429000"/>
+          </a:xfrm>
+          <a:custGeom>
+            <a:rect b="b" l="l" r="r" t="t"/>
+            <a:pathLst>
+              <a:path extrusionOk="0" h="120000" w="120000">
+                <a:moveTo>
+                  <a:pt x="0" y="0"/>
+                </a:moveTo>
+                <a:lnTo>
+                  <a:pt x="120000" y="0"/>
+                </a:lnTo>
+                <a:lnTo>
+                  <a:pt x="120000" y="120000"/>
+                </a:lnTo>
+                <a:lnTo>
+                  <a:pt x="0" y="120000"/>
+                </a:lnTo>
+                <a:close/>
+              </a:path>
+            </a:pathLst>
+          </a:custGeom>
+        </p:spPr>
+      </p:sp>
+      <p:sp>
+        <p:nvSpPr>
+          <p:cNvPr id="314" name="Google Shape;314;g3c8e428d546_0_4:notes"/>
           <p:cNvSpPr txBox="1"/>
           <p:nvPr>
             <p:ph idx="1" type="body"/>
@@ -15497,7 +15597,7 @@
         </p:nvSpPr>
         <p:spPr>
           <a:xfrm>
-            <a:off x="824000" y="1613813"/>
+            <a:off x="824000" y="703287"/>
             <a:ext cx="4255500" cy="1872900"/>
           </a:xfrm>
           <a:prstGeom prst="rect">
@@ -15537,8 +15637,8 @@
         </p:nvSpPr>
         <p:spPr>
           <a:xfrm>
-            <a:off x="231600" y="2673875"/>
-            <a:ext cx="8520600" cy="1399500"/>
+            <a:off x="147015" y="3584381"/>
+            <a:ext cx="3496200" cy="1399500"/>
           </a:xfrm>
           <a:prstGeom prst="rect">
             <a:avLst/>
@@ -15546,11 +15646,11 @@
         </p:spPr>
         <p:txBody>
           <a:bodyPr anchorCtr="0" anchor="t" bIns="91425" lIns="91425" spcFirstLastPara="1" rIns="91425" wrap="square" tIns="91425">
-            <a:normAutofit lnSpcReduction="10000"/>
+            <a:normAutofit/>
           </a:bodyPr>
           <a:lstStyle/>
           <a:p>
-            <a:pPr indent="0" lvl="0" marL="0" rtl="0" algn="l">
+            <a:pPr indent="0" lvl="0" marL="0" rtl="0" algn="ctr">
               <a:spcBef>
                 <a:spcPts val="0"/>
               </a:spcBef>
@@ -15561,12 +15661,12 @@
             </a:pPr>
             <a:r>
               <a:rPr lang="en-GB" sz="2000"/>
-              <a:t>ISTE 240</a:t>
+              <a:t>Ahmed Ali Hassan</a:t>
             </a:r>
             <a:endParaRPr sz="2000"/>
           </a:p>
           <a:p>
-            <a:pPr indent="0" lvl="0" marL="0" rtl="0" algn="l">
+            <a:pPr indent="0" lvl="0" marL="0" rtl="0" algn="ctr">
               <a:spcBef>
                 <a:spcPts val="0"/>
               </a:spcBef>
@@ -15575,10 +15675,6 @@
               </a:spcAft>
               <a:buNone/>
             </a:pPr>
-            <a:r>
-              <a:rPr lang="en-GB" sz="2000"/>
-              <a:t>Ahmed Ali Hassan </a:t>
-            </a:r>
             <a:r>
               <a:rPr b="1" lang="en-GB" u="sng">
                 <a:solidFill>
@@ -15604,9 +15700,68 @@
               <a:buNone/>
             </a:pPr>
             <a:r>
+              <a:t/>
+            </a:r>
+            <a:endParaRPr b="1" sz="2000" u="sng">
+              <a:solidFill>
+                <a:srgbClr val="161513"/>
+              </a:solidFill>
+              <a:latin typeface="Arial"/>
+              <a:ea typeface="Arial"/>
+              <a:cs typeface="Arial"/>
+              <a:sym typeface="Arial"/>
+            </a:endParaRPr>
+          </a:p>
+        </p:txBody>
+      </p:sp>
+      <p:sp>
+        <p:nvSpPr>
+          <p:cNvPr id="279" name="Google Shape;279;p13"/>
+          <p:cNvSpPr txBox="1"/>
+          <p:nvPr>
+            <p:ph idx="1" type="subTitle"/>
+          </p:nvPr>
+        </p:nvSpPr>
+        <p:spPr>
+          <a:xfrm>
+            <a:off x="2866331" y="3598700"/>
+            <a:ext cx="3496200" cy="1399500"/>
+          </a:xfrm>
+          <a:prstGeom prst="rect">
+            <a:avLst/>
+          </a:prstGeom>
+        </p:spPr>
+        <p:txBody>
+          <a:bodyPr anchorCtr="0" anchor="t" bIns="91425" lIns="91425" spcFirstLastPara="1" rIns="91425" wrap="square" tIns="91425">
+            <a:normAutofit/>
+          </a:bodyPr>
+          <a:lstStyle/>
+          <a:p>
+            <a:pPr indent="0" lvl="0" marL="0" rtl="0" algn="ctr">
+              <a:spcBef>
+                <a:spcPts val="0"/>
+              </a:spcBef>
+              <a:spcAft>
+                <a:spcPts val="0"/>
+              </a:spcAft>
+              <a:buNone/>
+            </a:pPr>
+            <a:r>
               <a:rPr lang="en-GB" sz="2000"/>
-              <a:t>Ziad Abdelrahman </a:t>
+              <a:t>Ziad Abdelrahman</a:t>
             </a:r>
+            <a:endParaRPr sz="2000"/>
+          </a:p>
+          <a:p>
+            <a:pPr indent="0" lvl="0" marL="0" rtl="0" algn="ctr">
+              <a:spcBef>
+                <a:spcPts val="0"/>
+              </a:spcBef>
+              <a:spcAft>
+                <a:spcPts val="0"/>
+              </a:spcAft>
+              <a:buNone/>
+            </a:pPr>
             <a:r>
               <a:rPr b="1" lang="en-GB" u="sng">
                 <a:solidFill>
@@ -15632,9 +15787,83 @@
               <a:buNone/>
             </a:pPr>
             <a:r>
+              <a:t/>
+            </a:r>
+            <a:endParaRPr b="1" sz="2000" u="sng">
+              <a:solidFill>
+                <a:srgbClr val="161513"/>
+              </a:solidFill>
+              <a:latin typeface="Arial"/>
+              <a:ea typeface="Arial"/>
+              <a:cs typeface="Arial"/>
+              <a:sym typeface="Arial"/>
+            </a:endParaRPr>
+          </a:p>
+        </p:txBody>
+      </p:sp>
+      <p:sp>
+        <p:nvSpPr>
+          <p:cNvPr id="280" name="Google Shape;280;p13"/>
+          <p:cNvSpPr txBox="1"/>
+          <p:nvPr>
+            <p:ph idx="1" type="subTitle"/>
+          </p:nvPr>
+        </p:nvSpPr>
+        <p:spPr>
+          <a:xfrm>
+            <a:off x="5285350" y="3356425"/>
+            <a:ext cx="3496200" cy="1399500"/>
+          </a:xfrm>
+          <a:prstGeom prst="rect">
+            <a:avLst/>
+          </a:prstGeom>
+        </p:spPr>
+        <p:txBody>
+          <a:bodyPr anchorCtr="0" anchor="t" bIns="91425" lIns="91425" spcFirstLastPara="1" rIns="91425" wrap="square" tIns="91425">
+            <a:normAutofit/>
+          </a:bodyPr>
+          <a:lstStyle/>
+          <a:p>
+            <a:pPr indent="0" lvl="0" marL="0" rtl="0" algn="l">
+              <a:spcBef>
+                <a:spcPts val="0"/>
+              </a:spcBef>
+              <a:spcAft>
+                <a:spcPts val="0"/>
+              </a:spcAft>
+              <a:buNone/>
+            </a:pPr>
+            <a:r>
+              <a:t/>
+            </a:r>
+            <a:endParaRPr/>
+          </a:p>
+          <a:p>
+            <a:pPr indent="0" lvl="0" marL="0" rtl="0" algn="ctr">
+              <a:spcBef>
+                <a:spcPts val="0"/>
+              </a:spcBef>
+              <a:spcAft>
+                <a:spcPts val="0"/>
+              </a:spcAft>
+              <a:buNone/>
+            </a:pPr>
+            <a:r>
               <a:rPr lang="en-GB" sz="2000"/>
               <a:t>Shahid Bora </a:t>
             </a:r>
+            <a:endParaRPr sz="2000"/>
+          </a:p>
+          <a:p>
+            <a:pPr indent="0" lvl="0" marL="0" rtl="0" algn="ctr">
+              <a:spcBef>
+                <a:spcPts val="0"/>
+              </a:spcBef>
+              <a:spcAft>
+                <a:spcPts val="0"/>
+              </a:spcAft>
+              <a:buNone/>
+            </a:pPr>
             <a:r>
               <a:rPr b="1" lang="en-GB" u="sng">
                 <a:solidFill>
@@ -15659,6 +15888,46 @@
           </a:p>
         </p:txBody>
       </p:sp>
+      <p:sp>
+        <p:nvSpPr>
+          <p:cNvPr id="281" name="Google Shape;281;p13"/>
+          <p:cNvSpPr txBox="1"/>
+          <p:nvPr>
+            <p:ph type="ctrTitle"/>
+          </p:nvPr>
+        </p:nvSpPr>
+        <p:spPr>
+          <a:xfrm>
+            <a:off x="6613925" y="1101262"/>
+            <a:ext cx="4255500" cy="1872900"/>
+          </a:xfrm>
+          <a:prstGeom prst="rect">
+            <a:avLst/>
+          </a:prstGeom>
+        </p:spPr>
+        <p:txBody>
+          <a:bodyPr anchorCtr="0" anchor="ctr" bIns="91425" lIns="91425" spcFirstLastPara="1" rIns="91425" wrap="square" tIns="91425">
+            <a:normAutofit/>
+          </a:bodyPr>
+          <a:lstStyle/>
+          <a:p>
+            <a:pPr indent="0" lvl="0" marL="0" rtl="0" algn="l">
+              <a:spcBef>
+                <a:spcPts val="0"/>
+              </a:spcBef>
+              <a:spcAft>
+                <a:spcPts val="0"/>
+              </a:spcAft>
+              <a:buNone/>
+            </a:pPr>
+            <a:r>
+              <a:rPr lang="en-GB" sz="2300"/>
+              <a:t>ISTE 240</a:t>
+            </a:r>
+            <a:endParaRPr sz="2300"/>
+          </a:p>
+        </p:txBody>
+      </p:sp>
     </p:spTree>
   </p:cSld>
   <p:clrMapOvr>
@@ -15672,7 +15941,7 @@
   <p:cSld>
     <p:spTree>
       <p:nvGrpSpPr>
-        <p:cNvPr id="282" name="Shape 282"/>
+        <p:cNvPr id="285" name="Shape 285"/>
         <p:cNvGrpSpPr/>
         <p:nvPr/>
       </p:nvGrpSpPr>
@@ -15686,7 +15955,7 @@
       </p:grpSpPr>
       <p:sp>
         <p:nvSpPr>
-          <p:cNvPr id="283" name="Google Shape;283;p14"/>
+          <p:cNvPr id="286" name="Google Shape;286;p14"/>
           <p:cNvSpPr txBox="1"/>
           <p:nvPr>
             <p:ph type="title"/>
@@ -15727,7 +15996,7 @@
       </p:sp>
       <p:sp>
         <p:nvSpPr>
-          <p:cNvPr id="284" name="Google Shape;284;p14"/>
+          <p:cNvPr id="287" name="Google Shape;287;p14"/>
           <p:cNvSpPr txBox="1"/>
           <p:nvPr>
             <p:ph idx="1" type="body"/>
@@ -15783,7 +16052,7 @@
       </p:sp>
       <p:pic>
         <p:nvPicPr>
-          <p:cNvPr id="285" name="Google Shape;285;p14"/>
+          <p:cNvPr id="288" name="Google Shape;288;p14"/>
           <p:cNvPicPr preferRelativeResize="0"/>
           <p:nvPr/>
         </p:nvPicPr>
@@ -15811,7 +16080,7 @@
       </p:pic>
       <p:sp>
         <p:nvSpPr>
-          <p:cNvPr id="286" name="Google Shape;286;p14"/>
+          <p:cNvPr id="289" name="Google Shape;289;p14"/>
           <p:cNvSpPr txBox="1"/>
           <p:nvPr>
             <p:ph idx="1" type="body"/>
@@ -15852,7 +16121,7 @@
       </p:sp>
       <p:pic>
         <p:nvPicPr>
-          <p:cNvPr id="287" name="Google Shape;287;p14"/>
+          <p:cNvPr id="290" name="Google Shape;290;p14"/>
           <p:cNvPicPr preferRelativeResize="0"/>
           <p:nvPr/>
         </p:nvPicPr>
@@ -15880,7 +16149,7 @@
       </p:pic>
       <p:sp>
         <p:nvSpPr>
-          <p:cNvPr id="288" name="Google Shape;288;p14"/>
+          <p:cNvPr id="291" name="Google Shape;291;p14"/>
           <p:cNvSpPr txBox="1"/>
           <p:nvPr>
             <p:ph idx="1" type="body"/>
@@ -15947,7 +16216,7 @@
   <p:cSld>
     <p:spTree>
       <p:nvGrpSpPr>
-        <p:cNvPr id="292" name="Shape 292"/>
+        <p:cNvPr id="295" name="Shape 295"/>
         <p:cNvGrpSpPr/>
         <p:nvPr/>
       </p:nvGrpSpPr>
@@ -15961,7 +16230,7 @@
       </p:grpSpPr>
       <p:sp>
         <p:nvSpPr>
-          <p:cNvPr id="293" name="Google Shape;293;p15"/>
+          <p:cNvPr id="296" name="Google Shape;296;p15"/>
           <p:cNvSpPr txBox="1"/>
           <p:nvPr>
             <p:ph type="title"/>
@@ -15969,7 +16238,7 @@
         </p:nvSpPr>
         <p:spPr>
           <a:xfrm>
-            <a:off x="1303800" y="450925"/>
+            <a:off x="6098591" y="1206462"/>
             <a:ext cx="7030500" cy="999300"/>
           </a:xfrm>
           <a:prstGeom prst="rect">
@@ -15993,16 +16262,16 @@
               <a:buNone/>
             </a:pPr>
             <a:r>
-              <a:rPr lang="en-GB" sz="3220"/>
+              <a:rPr lang="en-GB" sz="3220" u="sng"/>
               <a:t>Scope</a:t>
             </a:r>
-            <a:endParaRPr sz="3220"/>
+            <a:endParaRPr sz="3220" u="sng"/>
           </a:p>
         </p:txBody>
       </p:sp>
       <p:sp>
         <p:nvSpPr>
-          <p:cNvPr id="294" name="Google Shape;294;p15"/>
+          <p:cNvPr id="297" name="Google Shape;297;p15"/>
           <p:cNvSpPr txBox="1"/>
           <p:nvPr>
             <p:ph idx="1" type="body"/>
@@ -16010,8 +16279,8 @@
         </p:nvSpPr>
         <p:spPr>
           <a:xfrm>
-            <a:off x="311700" y="1416472"/>
-            <a:ext cx="8520600" cy="3416400"/>
+            <a:off x="311700" y="1416475"/>
+            <a:ext cx="5026500" cy="3416400"/>
           </a:xfrm>
           <a:prstGeom prst="rect">
             <a:avLst/>
@@ -16019,7 +16288,7 @@
         </p:spPr>
         <p:txBody>
           <a:bodyPr anchorCtr="0" anchor="t" bIns="91425" lIns="91425" spcFirstLastPara="1" rIns="91425" wrap="square" tIns="91425">
-            <a:normAutofit/>
+            <a:normAutofit lnSpcReduction="20000"/>
           </a:bodyPr>
           <a:lstStyle/>
           <a:p>
@@ -16133,6 +16402,34 @@
           </a:p>
         </p:txBody>
       </p:sp>
+      <p:pic>
+        <p:nvPicPr>
+          <p:cNvPr id="298" name="Google Shape;298;p15"/>
+          <p:cNvPicPr preferRelativeResize="0"/>
+          <p:nvPr/>
+        </p:nvPicPr>
+        <p:blipFill>
+          <a:blip r:embed="rId3">
+            <a:alphaModFix/>
+          </a:blip>
+          <a:stretch>
+            <a:fillRect/>
+          </a:stretch>
+        </p:blipFill>
+        <p:spPr>
+          <a:xfrm>
+            <a:off x="5067375" y="2268800"/>
+            <a:ext cx="3772050" cy="1886025"/>
+          </a:xfrm>
+          <a:prstGeom prst="rect">
+            <a:avLst/>
+          </a:prstGeom>
+          <a:noFill/>
+          <a:ln>
+            <a:noFill/>
+          </a:ln>
+        </p:spPr>
+      </p:pic>
     </p:spTree>
   </p:cSld>
   <p:clrMapOvr>
@@ -16146,7 +16443,7 @@
   <p:cSld>
     <p:spTree>
       <p:nvGrpSpPr>
-        <p:cNvPr id="298" name="Shape 298"/>
+        <p:cNvPr id="302" name="Shape 302"/>
         <p:cNvGrpSpPr/>
         <p:nvPr/>
       </p:nvGrpSpPr>
@@ -16160,7 +16457,7 @@
       </p:grpSpPr>
       <p:sp>
         <p:nvSpPr>
-          <p:cNvPr id="299" name="Google Shape;299;p16"/>
+          <p:cNvPr id="303" name="Google Shape;303;p16"/>
           <p:cNvSpPr txBox="1"/>
           <p:nvPr>
             <p:ph type="title"/>
@@ -16201,7 +16498,7 @@
       </p:sp>
       <p:sp>
         <p:nvSpPr>
-          <p:cNvPr id="300" name="Google Shape;300;p16"/>
+          <p:cNvPr id="304" name="Google Shape;304;p16"/>
           <p:cNvSpPr txBox="1"/>
           <p:nvPr>
             <p:ph idx="1" type="body"/>
@@ -16209,7 +16506,7 @@
         </p:nvSpPr>
         <p:spPr>
           <a:xfrm>
-            <a:off x="259675" y="1300950"/>
+            <a:off x="124450" y="1936289"/>
             <a:ext cx="4312200" cy="2541600"/>
           </a:xfrm>
           <a:prstGeom prst="rect">
@@ -16310,7 +16607,7 @@
       </p:sp>
       <p:sp>
         <p:nvSpPr>
-          <p:cNvPr id="301" name="Google Shape;301;p16"/>
+          <p:cNvPr id="305" name="Google Shape;305;p16"/>
           <p:cNvSpPr txBox="1"/>
           <p:nvPr/>
         </p:nvSpPr>
@@ -16502,7 +16799,7 @@
   <p:cSld>
     <p:spTree>
       <p:nvGrpSpPr>
-        <p:cNvPr id="305" name="Shape 305"/>
+        <p:cNvPr id="309" name="Shape 309"/>
         <p:cNvGrpSpPr/>
         <p:nvPr/>
       </p:nvGrpSpPr>
@@ -16516,7 +16813,7 @@
       </p:grpSpPr>
       <p:sp>
         <p:nvSpPr>
-          <p:cNvPr id="306" name="Google Shape;306;p17"/>
+          <p:cNvPr id="310" name="Google Shape;310;p17"/>
           <p:cNvSpPr txBox="1"/>
           <p:nvPr>
             <p:ph type="title"/>
@@ -16553,7 +16850,7 @@
             </a:pPr>
             <a:r>
               <a:rPr lang="en-GB"/>
-              <a:t>User / interaction scenario</a:t>
+              <a:t>User / Interaction scenario</a:t>
             </a:r>
             <a:endParaRPr/>
           </a:p>
@@ -16561,7 +16858,7 @@
       </p:sp>
       <p:sp>
         <p:nvSpPr>
-          <p:cNvPr id="307" name="Google Shape;307;p17"/>
+          <p:cNvPr id="311" name="Google Shape;311;p17"/>
           <p:cNvSpPr txBox="1"/>
           <p:nvPr>
             <p:ph idx="1" type="body"/>
@@ -16627,7 +16924,339 @@
 </p:sld>
 </file>
 
+<file path=ppt/slides/slide6.xml><?xml version="1.0" encoding="utf-8"?>
+<p:sld xmlns:a="http://schemas.openxmlformats.org/drawingml/2006/main" xmlns:r="http://schemas.openxmlformats.org/officeDocument/2006/relationships" xmlns:mc="http://schemas.openxmlformats.org/markup-compatibility/2006" xmlns:mv="urn:schemas-microsoft-com:mac:vml" xmlns:p="http://schemas.openxmlformats.org/presentationml/2006/main" xmlns:c="http://schemas.openxmlformats.org/drawingml/2006/chart" xmlns:dgm="http://schemas.openxmlformats.org/drawingml/2006/diagram" xmlns:o="urn:schemas-microsoft-com:office:office" xmlns:v="urn:schemas-microsoft-com:vml" xmlns:pvml="urn:schemas-microsoft-com:office:powerpoint" xmlns:com="http://schemas.openxmlformats.org/drawingml/2006/compatibility" xmlns:p14="http://schemas.microsoft.com/office/powerpoint/2010/main" xmlns:p15="http://schemas.microsoft.com/office/powerpoint/2012/main" xmlns:ahyp="http://schemas.microsoft.com/office/drawing/2018/hyperlinkcolor">
+  <p:cSld>
+    <p:spTree>
+      <p:nvGrpSpPr>
+        <p:cNvPr id="315" name="Shape 315"/>
+        <p:cNvGrpSpPr/>
+        <p:nvPr/>
+      </p:nvGrpSpPr>
+      <p:grpSpPr>
+        <a:xfrm>
+          <a:off x="0" y="0"/>
+          <a:ext cx="0" cy="0"/>
+          <a:chOff x="0" y="0"/>
+          <a:chExt cx="0" cy="0"/>
+        </a:xfrm>
+      </p:grpSpPr>
+      <p:pic>
+        <p:nvPicPr>
+          <p:cNvPr id="316" name="Google Shape;316;p18"/>
+          <p:cNvPicPr preferRelativeResize="0"/>
+          <p:nvPr/>
+        </p:nvPicPr>
+        <p:blipFill>
+          <a:blip r:embed="rId3">
+            <a:alphaModFix/>
+          </a:blip>
+          <a:stretch>
+            <a:fillRect/>
+          </a:stretch>
+        </p:blipFill>
+        <p:spPr>
+          <a:xfrm>
+            <a:off x="1265182" y="864250"/>
+            <a:ext cx="7086649" cy="4284425"/>
+          </a:xfrm>
+          <a:prstGeom prst="rect">
+            <a:avLst/>
+          </a:prstGeom>
+          <a:noFill/>
+          <a:ln>
+            <a:noFill/>
+          </a:ln>
+        </p:spPr>
+      </p:pic>
+    </p:spTree>
+  </p:cSld>
+  <p:clrMapOvr>
+    <a:masterClrMapping/>
+  </p:clrMapOvr>
+</p:sld>
+</file>
+
 <file path=ppt/theme/theme1.xml><?xml version="1.0" encoding="utf-8"?>
+<a:theme xmlns:a="http://schemas.openxmlformats.org/drawingml/2006/main" xmlns:r="http://schemas.openxmlformats.org/officeDocument/2006/relationships" name="Momentum">
+  <a:themeElements>
+    <a:clrScheme name="Momentum">
+      <a:dk1>
+        <a:srgbClr val="C0791B"/>
+      </a:dk1>
+      <a:lt1>
+        <a:srgbClr val="FFFFFF"/>
+      </a:lt1>
+      <a:dk2>
+        <a:srgbClr val="424242"/>
+      </a:dk2>
+      <a:lt2>
+        <a:srgbClr val="8DD8D3"/>
+      </a:lt2>
+      <a:accent1>
+        <a:srgbClr val="0B6374"/>
+      </a:accent1>
+      <a:accent2>
+        <a:srgbClr val="FD5B58"/>
+      </a:accent2>
+      <a:accent3>
+        <a:srgbClr val="599191"/>
+      </a:accent3>
+      <a:accent4>
+        <a:srgbClr val="D7E6A3"/>
+      </a:accent4>
+      <a:accent5>
+        <a:srgbClr val="27278B"/>
+      </a:accent5>
+      <a:accent6>
+        <a:srgbClr val="D558AB"/>
+      </a:accent6>
+      <a:hlink>
+        <a:srgbClr val="27278B"/>
+      </a:hlink>
+      <a:folHlink>
+        <a:srgbClr val="27278B"/>
+      </a:folHlink>
+    </a:clrScheme>
+    <a:fontScheme name="Office">
+      <a:majorFont>
+        <a:latin typeface="Arial"/>
+        <a:ea typeface=""/>
+        <a:cs typeface=""/>
+        <a:font script="Jpan" typeface="ＭＳ Ｐゴシック"/>
+        <a:font script="Hang" typeface="맑은 고딕"/>
+        <a:font script="Hans" typeface="宋体"/>
+        <a:font script="Hant" typeface="新細明體"/>
+        <a:font script="Arab" typeface="Times New Roman"/>
+        <a:font script="Hebr" typeface="Times New Roman"/>
+        <a:font script="Thai" typeface="Angsana New"/>
+        <a:font script="Ethi" typeface="Nyala"/>
+        <a:font script="Beng" typeface="Vrinda"/>
+        <a:font script="Gujr" typeface="Shruti"/>
+        <a:font script="Khmr" typeface="MoolBoran"/>
+        <a:font script="Knda" typeface="Tunga"/>
+        <a:font script="Guru" typeface="Raavi"/>
+        <a:font script="Cans" typeface="Euphemia"/>
+        <a:font script="Cher" typeface="Plantagenet Cherokee"/>
+        <a:font script="Yiii" typeface="Microsoft Yi Baiti"/>
+        <a:font script="Tibt" typeface="Microsoft Himalaya"/>
+        <a:font script="Thaa" typeface="MV Boli"/>
+        <a:font script="Deva" typeface="Mangal"/>
+        <a:font script="Telu" typeface="Gautami"/>
+        <a:font script="Taml" typeface="Latha"/>
+        <a:font script="Syrc" typeface="Estrangelo Edessa"/>
+        <a:font script="Orya" typeface="Kalinga"/>
+        <a:font script="Mlym" typeface="Kartika"/>
+        <a:font script="Laoo" typeface="DokChampa"/>
+        <a:font script="Sinh" typeface="Iskoola Pota"/>
+        <a:font script="Mong" typeface="Mongolian Baiti"/>
+        <a:font script="Viet" typeface="Times New Roman"/>
+        <a:font script="Uigh" typeface="Microsoft Uighur"/>
+        <a:font script="Geor" typeface="Sylfaen"/>
+      </a:majorFont>
+      <a:minorFont>
+        <a:latin typeface="Arial"/>
+        <a:ea typeface=""/>
+        <a:cs typeface=""/>
+        <a:font script="Jpan" typeface="ＭＳ Ｐゴシック"/>
+        <a:font script="Hang" typeface="맑은 고딕"/>
+        <a:font script="Hans" typeface="宋体"/>
+        <a:font script="Hant" typeface="新細明體"/>
+        <a:font script="Arab" typeface="Arial"/>
+        <a:font script="Hebr" typeface="Arial"/>
+        <a:font script="Thai" typeface="Cordia New"/>
+        <a:font script="Ethi" typeface="Nyala"/>
+        <a:font script="Beng" typeface="Vrinda"/>
+        <a:font script="Gujr" typeface="Shruti"/>
+        <a:font script="Khmr" typeface="DaunPenh"/>
+        <a:font script="Knda" typeface="Tunga"/>
+        <a:font script="Guru" typeface="Raavi"/>
+        <a:font script="Cans" typeface="Euphemia"/>
+        <a:font script="Cher" typeface="Plantagenet Cherokee"/>
+        <a:font script="Yiii" typeface="Microsoft Yi Baiti"/>
+        <a:font script="Tibt" typeface="Microsoft Himalaya"/>
+        <a:font script="Thaa" typeface="MV Boli"/>
+        <a:font script="Deva" typeface="Mangal"/>
+        <a:font script="Telu" typeface="Gautami"/>
+        <a:font script="Taml" typeface="Latha"/>
+        <a:font script="Syrc" typeface="Estrangelo Edessa"/>
+        <a:font script="Orya" typeface="Kalinga"/>
+        <a:font script="Mlym" typeface="Kartika"/>
+        <a:font script="Laoo" typeface="DokChampa"/>
+        <a:font script="Sinh" typeface="Iskoola Pota"/>
+        <a:font script="Mong" typeface="Mongolian Baiti"/>
+        <a:font script="Viet" typeface="Arial"/>
+        <a:font script="Uigh" typeface="Microsoft Uighur"/>
+        <a:font script="Geor" typeface="Sylfaen"/>
+      </a:minorFont>
+    </a:fontScheme>
+    <a:fmtScheme name="Office">
+      <a:fillStyleLst>
+        <a:solidFill>
+          <a:schemeClr val="phClr"/>
+        </a:solidFill>
+        <a:gradFill rotWithShape="1">
+          <a:gsLst>
+            <a:gs pos="0">
+              <a:schemeClr val="phClr">
+                <a:tint val="50000"/>
+                <a:satMod val="300000"/>
+              </a:schemeClr>
+            </a:gs>
+            <a:gs pos="35000">
+              <a:schemeClr val="phClr">
+                <a:tint val="37000"/>
+                <a:satMod val="300000"/>
+              </a:schemeClr>
+            </a:gs>
+            <a:gs pos="100000">
+              <a:schemeClr val="phClr">
+                <a:tint val="15000"/>
+                <a:satMod val="350000"/>
+              </a:schemeClr>
+            </a:gs>
+          </a:gsLst>
+          <a:lin ang="16200000" scaled="1"/>
+        </a:gradFill>
+        <a:gradFill rotWithShape="1">
+          <a:gsLst>
+            <a:gs pos="0">
+              <a:schemeClr val="phClr">
+                <a:tint val="100000"/>
+                <a:shade val="100000"/>
+                <a:satMod val="130000"/>
+              </a:schemeClr>
+            </a:gs>
+            <a:gs pos="100000">
+              <a:schemeClr val="phClr">
+                <a:tint val="50000"/>
+                <a:shade val="100000"/>
+                <a:satMod val="350000"/>
+              </a:schemeClr>
+            </a:gs>
+          </a:gsLst>
+          <a:lin ang="16200000" scaled="0"/>
+        </a:gradFill>
+      </a:fillStyleLst>
+      <a:lnStyleLst>
+        <a:ln w="9525" cap="flat" cmpd="sng" algn="ctr">
+          <a:solidFill>
+            <a:schemeClr val="phClr">
+              <a:shade val="95000"/>
+              <a:satMod val="105000"/>
+            </a:schemeClr>
+          </a:solidFill>
+          <a:prstDash val="solid"/>
+        </a:ln>
+        <a:ln w="25400" cap="flat" cmpd="sng" algn="ctr">
+          <a:solidFill>
+            <a:schemeClr val="phClr"/>
+          </a:solidFill>
+          <a:prstDash val="solid"/>
+        </a:ln>
+        <a:ln w="38100" cap="flat" cmpd="sng" algn="ctr">
+          <a:solidFill>
+            <a:schemeClr val="phClr"/>
+          </a:solidFill>
+          <a:prstDash val="solid"/>
+        </a:ln>
+      </a:lnStyleLst>
+      <a:effectStyleLst>
+        <a:effectStyle>
+          <a:effectLst>
+            <a:outerShdw blurRad="40000" dist="20000" dir="5400000" rotWithShape="0">
+              <a:srgbClr val="000000">
+                <a:alpha val="38000"/>
+              </a:srgbClr>
+            </a:outerShdw>
+          </a:effectLst>
+        </a:effectStyle>
+        <a:effectStyle>
+          <a:effectLst>
+            <a:outerShdw blurRad="40000" dist="23000" dir="5400000" rotWithShape="0">
+              <a:srgbClr val="000000">
+                <a:alpha val="35000"/>
+              </a:srgbClr>
+            </a:outerShdw>
+          </a:effectLst>
+        </a:effectStyle>
+        <a:effectStyle>
+          <a:effectLst>
+            <a:outerShdw blurRad="40000" dist="23000" dir="5400000" rotWithShape="0">
+              <a:srgbClr val="000000">
+                <a:alpha val="35000"/>
+              </a:srgbClr>
+            </a:outerShdw>
+          </a:effectLst>
+          <a:scene3d>
+            <a:camera prst="orthographicFront">
+              <a:rot lat="0" lon="0" rev="0"/>
+            </a:camera>
+            <a:lightRig rig="threePt" dir="t">
+              <a:rot lat="0" lon="0" rev="1200000"/>
+            </a:lightRig>
+          </a:scene3d>
+          <a:sp3d>
+            <a:bevelT w="63500" h="25400"/>
+          </a:sp3d>
+        </a:effectStyle>
+      </a:effectStyleLst>
+      <a:bgFillStyleLst>
+        <a:solidFill>
+          <a:schemeClr val="phClr"/>
+        </a:solidFill>
+        <a:gradFill rotWithShape="1">
+          <a:gsLst>
+            <a:gs pos="0">
+              <a:schemeClr val="phClr">
+                <a:tint val="40000"/>
+                <a:satMod val="350000"/>
+              </a:schemeClr>
+            </a:gs>
+            <a:gs pos="40000">
+              <a:schemeClr val="phClr">
+                <a:tint val="45000"/>
+                <a:shade val="99000"/>
+                <a:satMod val="350000"/>
+              </a:schemeClr>
+            </a:gs>
+            <a:gs pos="100000">
+              <a:schemeClr val="phClr">
+                <a:shade val="20000"/>
+                <a:satMod val="255000"/>
+              </a:schemeClr>
+            </a:gs>
+          </a:gsLst>
+          <a:path path="circle">
+            <a:fillToRect l="50000" t="-80000" r="50000" b="180000"/>
+          </a:path>
+        </a:gradFill>
+        <a:gradFill rotWithShape="1">
+          <a:gsLst>
+            <a:gs pos="0">
+              <a:schemeClr val="phClr">
+                <a:tint val="80000"/>
+                <a:satMod val="300000"/>
+              </a:schemeClr>
+            </a:gs>
+            <a:gs pos="100000">
+              <a:schemeClr val="phClr">
+                <a:shade val="30000"/>
+                <a:satMod val="200000"/>
+              </a:schemeClr>
+            </a:gs>
+          </a:gsLst>
+          <a:path path="circle">
+            <a:fillToRect l="50000" t="50000" r="50000" b="50000"/>
+          </a:path>
+        </a:gradFill>
+      </a:bgFillStyleLst>
+    </a:fmtScheme>
+  </a:themeElements>
+</a:theme>
+</file>
+
+<file path=ppt/theme/theme2.xml><?xml version="1.0" encoding="utf-8"?>
 <a:theme xmlns:a="http://schemas.openxmlformats.org/drawingml/2006/main" xmlns:r="http://schemas.openxmlformats.org/officeDocument/2006/relationships">
   <a:themeElements>
     <a:clrScheme name="Default">
@@ -16904,283 +17533,4 @@
     </a:fmtScheme>
   </a:themeElements>
 </a:theme>
-</file>
-
-<file path=ppt/theme/theme2.xml><?xml version="1.0" encoding="utf-8"?>
-<a:theme xmlns:a="http://schemas.openxmlformats.org/drawingml/2006/main" xmlns:r="http://schemas.openxmlformats.org/officeDocument/2006/relationships" name="Momentum">
-  <a:themeElements>
-    <a:clrScheme name="Momentum">
-      <a:dk1>
-        <a:srgbClr val="C0791B"/>
-      </a:dk1>
-      <a:lt1>
-        <a:srgbClr val="FFFFFF"/>
-      </a:lt1>
-      <a:dk2>
-        <a:srgbClr val="424242"/>
-      </a:dk2>
-      <a:lt2>
-        <a:srgbClr val="8DD8D3"/>
-      </a:lt2>
-      <a:accent1>
-        <a:srgbClr val="0B6374"/>
-      </a:accent1>
-      <a:accent2>
-        <a:srgbClr val="FD5B58"/>
-      </a:accent2>
-      <a:accent3>
-        <a:srgbClr val="599191"/>
-      </a:accent3>
-      <a:accent4>
-        <a:srgbClr val="D7E6A3"/>
-      </a:accent4>
-      <a:accent5>
-        <a:srgbClr val="27278B"/>
-      </a:accent5>
-      <a:accent6>
-        <a:srgbClr val="D558AB"/>
-      </a:accent6>
-      <a:hlink>
-        <a:srgbClr val="27278B"/>
-      </a:hlink>
-      <a:folHlink>
-        <a:srgbClr val="27278B"/>
-      </a:folHlink>
-    </a:clrScheme>
-    <a:fontScheme name="Office">
-      <a:majorFont>
-        <a:latin typeface="Arial"/>
-        <a:ea typeface=""/>
-        <a:cs typeface=""/>
-        <a:font script="Jpan" typeface="ＭＳ Ｐゴシック"/>
-        <a:font script="Hang" typeface="맑은 고딕"/>
-        <a:font script="Hans" typeface="宋体"/>
-        <a:font script="Hant" typeface="新細明體"/>
-        <a:font script="Arab" typeface="Times New Roman"/>
-        <a:font script="Hebr" typeface="Times New Roman"/>
-        <a:font script="Thai" typeface="Angsana New"/>
-        <a:font script="Ethi" typeface="Nyala"/>
-        <a:font script="Beng" typeface="Vrinda"/>
-        <a:font script="Gujr" typeface="Shruti"/>
-        <a:font script="Khmr" typeface="MoolBoran"/>
-        <a:font script="Knda" typeface="Tunga"/>
-        <a:font script="Guru" typeface="Raavi"/>
-        <a:font script="Cans" typeface="Euphemia"/>
-        <a:font script="Cher" typeface="Plantagenet Cherokee"/>
-        <a:font script="Yiii" typeface="Microsoft Yi Baiti"/>
-        <a:font script="Tibt" typeface="Microsoft Himalaya"/>
-        <a:font script="Thaa" typeface="MV Boli"/>
-        <a:font script="Deva" typeface="Mangal"/>
-        <a:font script="Telu" typeface="Gautami"/>
-        <a:font script="Taml" typeface="Latha"/>
-        <a:font script="Syrc" typeface="Estrangelo Edessa"/>
-        <a:font script="Orya" typeface="Kalinga"/>
-        <a:font script="Mlym" typeface="Kartika"/>
-        <a:font script="Laoo" typeface="DokChampa"/>
-        <a:font script="Sinh" typeface="Iskoola Pota"/>
-        <a:font script="Mong" typeface="Mongolian Baiti"/>
-        <a:font script="Viet" typeface="Times New Roman"/>
-        <a:font script="Uigh" typeface="Microsoft Uighur"/>
-        <a:font script="Geor" typeface="Sylfaen"/>
-      </a:majorFont>
-      <a:minorFont>
-        <a:latin typeface="Arial"/>
-        <a:ea typeface=""/>
-        <a:cs typeface=""/>
-        <a:font script="Jpan" typeface="ＭＳ Ｐゴシック"/>
-        <a:font script="Hang" typeface="맑은 고딕"/>
-        <a:font script="Hans" typeface="宋体"/>
-        <a:font script="Hant" typeface="新細明體"/>
-        <a:font script="Arab" typeface="Arial"/>
-        <a:font script="Hebr" typeface="Arial"/>
-        <a:font script="Thai" typeface="Cordia New"/>
-        <a:font script="Ethi" typeface="Nyala"/>
-        <a:font script="Beng" typeface="Vrinda"/>
-        <a:font script="Gujr" typeface="Shruti"/>
-        <a:font script="Khmr" typeface="DaunPenh"/>
-        <a:font script="Knda" typeface="Tunga"/>
-        <a:font script="Guru" typeface="Raavi"/>
-        <a:font script="Cans" typeface="Euphemia"/>
-        <a:font script="Cher" typeface="Plantagenet Cherokee"/>
-        <a:font script="Yiii" typeface="Microsoft Yi Baiti"/>
-        <a:font script="Tibt" typeface="Microsoft Himalaya"/>
-        <a:font script="Thaa" typeface="MV Boli"/>
-        <a:font script="Deva" typeface="Mangal"/>
-        <a:font script="Telu" typeface="Gautami"/>
-        <a:font script="Taml" typeface="Latha"/>
-        <a:font script="Syrc" typeface="Estrangelo Edessa"/>
-        <a:font script="Orya" typeface="Kalinga"/>
-        <a:font script="Mlym" typeface="Kartika"/>
-        <a:font script="Laoo" typeface="DokChampa"/>
-        <a:font script="Sinh" typeface="Iskoola Pota"/>
-        <a:font script="Mong" typeface="Mongolian Baiti"/>
-        <a:font script="Viet" typeface="Arial"/>
-        <a:font script="Uigh" typeface="Microsoft Uighur"/>
-        <a:font script="Geor" typeface="Sylfaen"/>
-      </a:minorFont>
-    </a:fontScheme>
-    <a:fmtScheme name="Office">
-      <a:fillStyleLst>
-        <a:solidFill>
-          <a:schemeClr val="phClr"/>
-        </a:solidFill>
-        <a:gradFill rotWithShape="1">
-          <a:gsLst>
-            <a:gs pos="0">
-              <a:schemeClr val="phClr">
-                <a:tint val="50000"/>
-                <a:satMod val="300000"/>
-              </a:schemeClr>
-            </a:gs>
-            <a:gs pos="35000">
-              <a:schemeClr val="phClr">
-                <a:tint val="37000"/>
-                <a:satMod val="300000"/>
-              </a:schemeClr>
-            </a:gs>
-            <a:gs pos="100000">
-              <a:schemeClr val="phClr">
-                <a:tint val="15000"/>
-                <a:satMod val="350000"/>
-              </a:schemeClr>
-            </a:gs>
-          </a:gsLst>
-          <a:lin ang="16200000" scaled="1"/>
-        </a:gradFill>
-        <a:gradFill rotWithShape="1">
-          <a:gsLst>
-            <a:gs pos="0">
-              <a:schemeClr val="phClr">
-                <a:tint val="100000"/>
-                <a:shade val="100000"/>
-                <a:satMod val="130000"/>
-              </a:schemeClr>
-            </a:gs>
-            <a:gs pos="100000">
-              <a:schemeClr val="phClr">
-                <a:tint val="50000"/>
-                <a:shade val="100000"/>
-                <a:satMod val="350000"/>
-              </a:schemeClr>
-            </a:gs>
-          </a:gsLst>
-          <a:lin ang="16200000" scaled="0"/>
-        </a:gradFill>
-      </a:fillStyleLst>
-      <a:lnStyleLst>
-        <a:ln w="9525" cap="flat" cmpd="sng" algn="ctr">
-          <a:solidFill>
-            <a:schemeClr val="phClr">
-              <a:shade val="95000"/>
-              <a:satMod val="105000"/>
-            </a:schemeClr>
-          </a:solidFill>
-          <a:prstDash val="solid"/>
-        </a:ln>
-        <a:ln w="25400" cap="flat" cmpd="sng" algn="ctr">
-          <a:solidFill>
-            <a:schemeClr val="phClr"/>
-          </a:solidFill>
-          <a:prstDash val="solid"/>
-        </a:ln>
-        <a:ln w="38100" cap="flat" cmpd="sng" algn="ctr">
-          <a:solidFill>
-            <a:schemeClr val="phClr"/>
-          </a:solidFill>
-          <a:prstDash val="solid"/>
-        </a:ln>
-      </a:lnStyleLst>
-      <a:effectStyleLst>
-        <a:effectStyle>
-          <a:effectLst>
-            <a:outerShdw blurRad="40000" dist="20000" dir="5400000" rotWithShape="0">
-              <a:srgbClr val="000000">
-                <a:alpha val="38000"/>
-              </a:srgbClr>
-            </a:outerShdw>
-          </a:effectLst>
-        </a:effectStyle>
-        <a:effectStyle>
-          <a:effectLst>
-            <a:outerShdw blurRad="40000" dist="23000" dir="5400000" rotWithShape="0">
-              <a:srgbClr val="000000">
-                <a:alpha val="35000"/>
-              </a:srgbClr>
-            </a:outerShdw>
-          </a:effectLst>
-        </a:effectStyle>
-        <a:effectStyle>
-          <a:effectLst>
-            <a:outerShdw blurRad="40000" dist="23000" dir="5400000" rotWithShape="0">
-              <a:srgbClr val="000000">
-                <a:alpha val="35000"/>
-              </a:srgbClr>
-            </a:outerShdw>
-          </a:effectLst>
-          <a:scene3d>
-            <a:camera prst="orthographicFront">
-              <a:rot lat="0" lon="0" rev="0"/>
-            </a:camera>
-            <a:lightRig rig="threePt" dir="t">
-              <a:rot lat="0" lon="0" rev="1200000"/>
-            </a:lightRig>
-          </a:scene3d>
-          <a:sp3d>
-            <a:bevelT w="63500" h="25400"/>
-          </a:sp3d>
-        </a:effectStyle>
-      </a:effectStyleLst>
-      <a:bgFillStyleLst>
-        <a:solidFill>
-          <a:schemeClr val="phClr"/>
-        </a:solidFill>
-        <a:gradFill rotWithShape="1">
-          <a:gsLst>
-            <a:gs pos="0">
-              <a:schemeClr val="phClr">
-                <a:tint val="40000"/>
-                <a:satMod val="350000"/>
-              </a:schemeClr>
-            </a:gs>
-            <a:gs pos="40000">
-              <a:schemeClr val="phClr">
-                <a:tint val="45000"/>
-                <a:shade val="99000"/>
-                <a:satMod val="350000"/>
-              </a:schemeClr>
-            </a:gs>
-            <a:gs pos="100000">
-              <a:schemeClr val="phClr">
-                <a:shade val="20000"/>
-                <a:satMod val="255000"/>
-              </a:schemeClr>
-            </a:gs>
-          </a:gsLst>
-          <a:path path="circle">
-            <a:fillToRect l="50000" t="-80000" r="50000" b="180000"/>
-          </a:path>
-        </a:gradFill>
-        <a:gradFill rotWithShape="1">
-          <a:gsLst>
-            <a:gs pos="0">
-              <a:schemeClr val="phClr">
-                <a:tint val="80000"/>
-                <a:satMod val="300000"/>
-              </a:schemeClr>
-            </a:gs>
-            <a:gs pos="100000">
-              <a:schemeClr val="phClr">
-                <a:shade val="30000"/>
-                <a:satMod val="200000"/>
-              </a:schemeClr>
-            </a:gs>
-          </a:gsLst>
-          <a:path path="circle">
-            <a:fillToRect l="50000" t="50000" r="50000" b="50000"/>
-          </a:path>
-        </a:gradFill>
-      </a:bgFillStyleLst>
-    </a:fmtScheme>
-  </a:themeElements>
-</a:theme>
 </file>